--- a/Slide/02-Introduction to Programming with Python.pptx
+++ b/Slide/02-Introduction to Programming with Python.pptx
@@ -5,10 +5,10 @@
     <p:sldMasterId id="2147483714" r:id="rId4"/>
   </p:sldMasterIdLst>
   <p:notesMasterIdLst>
-    <p:notesMasterId r:id="rId37"/>
+    <p:notesMasterId r:id="rId38"/>
   </p:notesMasterIdLst>
   <p:handoutMasterIdLst>
-    <p:handoutMasterId r:id="rId38"/>
+    <p:handoutMasterId r:id="rId39"/>
   </p:handoutMasterIdLst>
   <p:sldIdLst>
     <p:sldId id="263" r:id="rId5"/>
@@ -21,28 +21,29 @@
     <p:sldId id="326" r:id="rId12"/>
     <p:sldId id="332" r:id="rId13"/>
     <p:sldId id="331" r:id="rId14"/>
-    <p:sldId id="289" r:id="rId15"/>
-    <p:sldId id="292" r:id="rId16"/>
-    <p:sldId id="302" r:id="rId17"/>
-    <p:sldId id="312" r:id="rId18"/>
-    <p:sldId id="300" r:id="rId19"/>
-    <p:sldId id="324" r:id="rId20"/>
-    <p:sldId id="265" r:id="rId21"/>
-    <p:sldId id="266" r:id="rId22"/>
-    <p:sldId id="327" r:id="rId23"/>
-    <p:sldId id="328" r:id="rId24"/>
-    <p:sldId id="329" r:id="rId25"/>
-    <p:sldId id="298" r:id="rId26"/>
-    <p:sldId id="330" r:id="rId27"/>
-    <p:sldId id="334" r:id="rId28"/>
-    <p:sldId id="333" r:id="rId29"/>
-    <p:sldId id="335" r:id="rId30"/>
-    <p:sldId id="336" r:id="rId31"/>
-    <p:sldId id="338" r:id="rId32"/>
-    <p:sldId id="339" r:id="rId33"/>
-    <p:sldId id="305" r:id="rId34"/>
-    <p:sldId id="337" r:id="rId35"/>
-    <p:sldId id="269" r:id="rId36"/>
+    <p:sldId id="321" r:id="rId15"/>
+    <p:sldId id="289" r:id="rId16"/>
+    <p:sldId id="292" r:id="rId17"/>
+    <p:sldId id="302" r:id="rId18"/>
+    <p:sldId id="312" r:id="rId19"/>
+    <p:sldId id="300" r:id="rId20"/>
+    <p:sldId id="324" r:id="rId21"/>
+    <p:sldId id="265" r:id="rId22"/>
+    <p:sldId id="266" r:id="rId23"/>
+    <p:sldId id="327" r:id="rId24"/>
+    <p:sldId id="328" r:id="rId25"/>
+    <p:sldId id="329" r:id="rId26"/>
+    <p:sldId id="298" r:id="rId27"/>
+    <p:sldId id="330" r:id="rId28"/>
+    <p:sldId id="334" r:id="rId29"/>
+    <p:sldId id="333" r:id="rId30"/>
+    <p:sldId id="335" r:id="rId31"/>
+    <p:sldId id="336" r:id="rId32"/>
+    <p:sldId id="338" r:id="rId33"/>
+    <p:sldId id="339" r:id="rId34"/>
+    <p:sldId id="305" r:id="rId35"/>
+    <p:sldId id="337" r:id="rId36"/>
+    <p:sldId id="269" r:id="rId37"/>
   </p:sldIdLst>
   <p:sldSz cx="12192000" cy="6858000"/>
   <p:notesSz cx="6858000" cy="9144000"/>
@@ -24170,6 +24171,167 @@
       </p:grpSpPr>
       <p:sp>
         <p:nvSpPr>
+          <p:cNvPr id="2" name="Title 1">
+            <a:extLst>
+              <a:ext uri="{FF2B5EF4-FFF2-40B4-BE49-F238E27FC236}">
+                <a16:creationId xmlns:a16="http://schemas.microsoft.com/office/drawing/2014/main" id="{9EF4AD6A-9E5A-3BA9-CC54-ED9364B33D6E}"/>
+              </a:ext>
+            </a:extLst>
+          </p:cNvPr>
+          <p:cNvSpPr>
+            <a:spLocks noGrp="1"/>
+          </p:cNvSpPr>
+          <p:nvPr>
+            <p:ph type="title"/>
+          </p:nvPr>
+        </p:nvSpPr>
+        <p:spPr/>
+        <p:txBody>
+          <a:bodyPr/>
+          <a:lstStyle/>
+          <a:p>
+            <a:r>
+              <a:rPr lang="en-US" dirty="0"/>
+              <a:t>How computers can connect to each other from a wide range or through the internet?</a:t>
+            </a:r>
+          </a:p>
+        </p:txBody>
+      </p:sp>
+      <p:sp>
+        <p:nvSpPr>
+          <p:cNvPr id="3" name="Content Placeholder 2">
+            <a:extLst>
+              <a:ext uri="{FF2B5EF4-FFF2-40B4-BE49-F238E27FC236}">
+                <a16:creationId xmlns:a16="http://schemas.microsoft.com/office/drawing/2014/main" id="{9544AE8F-6238-C155-003D-CE47C7DD57A7}"/>
+              </a:ext>
+            </a:extLst>
+          </p:cNvPr>
+          <p:cNvSpPr>
+            <a:spLocks noGrp="1"/>
+          </p:cNvSpPr>
+          <p:nvPr>
+            <p:ph idx="1"/>
+          </p:nvPr>
+        </p:nvSpPr>
+        <p:spPr/>
+        <p:txBody>
+          <a:bodyPr>
+            <a:normAutofit/>
+          </a:bodyPr>
+          <a:lstStyle/>
+          <a:p>
+            <a:pPr marL="0" indent="0" algn="ctr">
+              <a:buNone/>
+            </a:pPr>
+            <a:endParaRPr lang="en-US" sz="3600" dirty="0"/>
+          </a:p>
+          <a:p>
+            <a:pPr marL="0" indent="0" algn="ctr">
+              <a:buNone/>
+            </a:pPr>
+            <a:endParaRPr lang="en-US" sz="3600" dirty="0"/>
+          </a:p>
+          <a:p>
+            <a:pPr marL="0" indent="0" algn="ctr">
+              <a:buNone/>
+            </a:pPr>
+            <a:r>
+              <a:rPr lang="en-US" sz="3600" dirty="0"/>
+              <a:t>Who is volunteer for the short presentation?</a:t>
+            </a:r>
+          </a:p>
+        </p:txBody>
+      </p:sp>
+      <p:sp>
+        <p:nvSpPr>
+          <p:cNvPr id="4" name="Footer Placeholder 3">
+            <a:extLst>
+              <a:ext uri="{FF2B5EF4-FFF2-40B4-BE49-F238E27FC236}">
+                <a16:creationId xmlns:a16="http://schemas.microsoft.com/office/drawing/2014/main" id="{BC25DFD9-CF17-F770-22B5-BBC6CA7F557A}"/>
+              </a:ext>
+            </a:extLst>
+          </p:cNvPr>
+          <p:cNvSpPr>
+            <a:spLocks noGrp="1"/>
+          </p:cNvSpPr>
+          <p:nvPr>
+            <p:ph type="ftr" sz="quarter" idx="11"/>
+          </p:nvPr>
+        </p:nvSpPr>
+        <p:spPr/>
+        <p:txBody>
+          <a:bodyPr/>
+          <a:lstStyle/>
+          <a:p>
+            <a:r>
+              <a:rPr lang="en-US"/>
+              <a:t>Fundamental Programming with Python</a:t>
+            </a:r>
+            <a:endParaRPr lang="en-US" dirty="0"/>
+          </a:p>
+        </p:txBody>
+      </p:sp>
+      <p:sp>
+        <p:nvSpPr>
+          <p:cNvPr id="5" name="Slide Number Placeholder 4">
+            <a:extLst>
+              <a:ext uri="{FF2B5EF4-FFF2-40B4-BE49-F238E27FC236}">
+                <a16:creationId xmlns:a16="http://schemas.microsoft.com/office/drawing/2014/main" id="{A1D313EB-5867-AFD8-1F54-DA81786F1AB3}"/>
+              </a:ext>
+            </a:extLst>
+          </p:cNvPr>
+          <p:cNvSpPr>
+            <a:spLocks noGrp="1"/>
+          </p:cNvSpPr>
+          <p:nvPr>
+            <p:ph type="sldNum" sz="quarter" idx="12"/>
+          </p:nvPr>
+        </p:nvSpPr>
+        <p:spPr/>
+        <p:txBody>
+          <a:bodyPr/>
+          <a:lstStyle/>
+          <a:p>
+            <a:fld id="{0079CAC6-A72B-4EF8-B465-34FA47827E7F}" type="slidenum">
+              <a:rPr lang="en-US" smtClean="0"/>
+              <a:t>11</a:t>
+            </a:fld>
+            <a:endParaRPr lang="en-US" dirty="0"/>
+          </a:p>
+        </p:txBody>
+      </p:sp>
+    </p:spTree>
+    <p:extLst>
+      <p:ext uri="{BB962C8B-B14F-4D97-AF65-F5344CB8AC3E}">
+        <p14:creationId xmlns:p14="http://schemas.microsoft.com/office/powerpoint/2010/main" val="2084592692"/>
+      </p:ext>
+    </p:extLst>
+  </p:cSld>
+  <p:clrMapOvr>
+    <a:masterClrMapping/>
+  </p:clrMapOvr>
+</p:sld>
+</file>
+
+<file path=ppt/slides/slide12.xml><?xml version="1.0" encoding="utf-8"?>
+<p:sld xmlns:a="http://schemas.openxmlformats.org/drawingml/2006/main" xmlns:r="http://schemas.openxmlformats.org/officeDocument/2006/relationships" xmlns:p="http://schemas.openxmlformats.org/presentationml/2006/main">
+  <p:cSld>
+    <p:spTree>
+      <p:nvGrpSpPr>
+        <p:cNvPr id="1" name=""/>
+        <p:cNvGrpSpPr/>
+        <p:nvPr/>
+      </p:nvGrpSpPr>
+      <p:grpSpPr>
+        <a:xfrm>
+          <a:off x="0" y="0"/>
+          <a:ext cx="0" cy="0"/>
+          <a:chOff x="0" y="0"/>
+          <a:chExt cx="0" cy="0"/>
+        </a:xfrm>
+      </p:grpSpPr>
+      <p:sp>
+        <p:nvSpPr>
           <p:cNvPr id="5" name="Title 4">
             <a:extLst>
               <a:ext uri="{FF2B5EF4-FFF2-40B4-BE49-F238E27FC236}">
@@ -24219,7 +24381,7 @@
           <a:p>
             <a:fld id="{0079CAC6-A72B-4EF8-B465-34FA47827E7F}" type="slidenum">
               <a:rPr lang="en-US" smtClean="0"/>
-              <a:t>11</a:t>
+              <a:t>12</a:t>
             </a:fld>
             <a:endParaRPr lang="en-US" dirty="0"/>
           </a:p>
@@ -24267,7 +24429,7 @@
 </p:sld>
 </file>
 
-<file path=ppt/slides/slide12.xml><?xml version="1.0" encoding="utf-8"?>
+<file path=ppt/slides/slide13.xml><?xml version="1.0" encoding="utf-8"?>
 <p:sld xmlns:a="http://schemas.openxmlformats.org/drawingml/2006/main" xmlns:r="http://schemas.openxmlformats.org/officeDocument/2006/relationships" xmlns:p="http://schemas.openxmlformats.org/presentationml/2006/main">
   <p:cSld>
     <p:spTree>
@@ -24395,7 +24557,7 @@
           <a:p>
             <a:fld id="{0079CAC6-A72B-4EF8-B465-34FA47827E7F}" type="slidenum">
               <a:rPr lang="en-US" smtClean="0"/>
-              <a:t>12</a:t>
+              <a:t>13</a:t>
             </a:fld>
             <a:endParaRPr lang="en-US" dirty="0"/>
           </a:p>
@@ -25337,7 +25499,7 @@
 </p:sld>
 </file>
 
-<file path=ppt/slides/slide13.xml><?xml version="1.0" encoding="utf-8"?>
+<file path=ppt/slides/slide14.xml><?xml version="1.0" encoding="utf-8"?>
 <p:sld xmlns:a="http://schemas.openxmlformats.org/drawingml/2006/main" xmlns:r="http://schemas.openxmlformats.org/officeDocument/2006/relationships" xmlns:p="http://schemas.openxmlformats.org/presentationml/2006/main">
   <p:cSld>
     <p:spTree>
@@ -25434,7 +25596,7 @@
           <a:p>
             <a:fld id="{0079CAC6-A72B-4EF8-B465-34FA47827E7F}" type="slidenum">
               <a:rPr lang="en-US" smtClean="0"/>
-              <a:t>13</a:t>
+              <a:t>14</a:t>
             </a:fld>
             <a:endParaRPr lang="en-US" dirty="0"/>
           </a:p>
@@ -27128,7 +27290,7 @@
 </p:sld>
 </file>
 
-<file path=ppt/slides/slide14.xml><?xml version="1.0" encoding="utf-8"?>
+<file path=ppt/slides/slide15.xml><?xml version="1.0" encoding="utf-8"?>
 <p:sld xmlns:a="http://schemas.openxmlformats.org/drawingml/2006/main" xmlns:r="http://schemas.openxmlformats.org/officeDocument/2006/relationships" xmlns:p="http://schemas.openxmlformats.org/presentationml/2006/main">
   <p:cSld>
     <p:spTree>
@@ -27225,7 +27387,7 @@
           <a:p>
             <a:fld id="{0079CAC6-A72B-4EF8-B465-34FA47827E7F}" type="slidenum">
               <a:rPr lang="en-US" smtClean="0"/>
-              <a:t>14</a:t>
+              <a:t>15</a:t>
             </a:fld>
             <a:endParaRPr lang="en-US" dirty="0"/>
           </a:p>
@@ -27423,7 +27585,7 @@
 </p:sld>
 </file>
 
-<file path=ppt/slides/slide15.xml><?xml version="1.0" encoding="utf-8"?>
+<file path=ppt/slides/slide16.xml><?xml version="1.0" encoding="utf-8"?>
 <p:sld xmlns:a="http://schemas.openxmlformats.org/drawingml/2006/main" xmlns:r="http://schemas.openxmlformats.org/officeDocument/2006/relationships" xmlns:p="http://schemas.openxmlformats.org/presentationml/2006/main">
   <p:cSld>
     <p:spTree>
@@ -27561,7 +27723,7 @@
           <a:p>
             <a:fld id="{0079CAC6-A72B-4EF8-B465-34FA47827E7F}" type="slidenum">
               <a:rPr lang="en-US" smtClean="0"/>
-              <a:t>15</a:t>
+              <a:t>16</a:t>
             </a:fld>
             <a:endParaRPr lang="en-US" dirty="0"/>
           </a:p>
@@ -28011,7 +28173,7 @@
 </p:sld>
 </file>
 
-<file path=ppt/slides/slide16.xml><?xml version="1.0" encoding="utf-8"?>
+<file path=ppt/slides/slide17.xml><?xml version="1.0" encoding="utf-8"?>
 <p:sld xmlns:a="http://schemas.openxmlformats.org/drawingml/2006/main" xmlns:r="http://schemas.openxmlformats.org/officeDocument/2006/relationships" xmlns:p="http://schemas.openxmlformats.org/presentationml/2006/main">
   <p:cSld>
     <p:spTree>
@@ -28137,7 +28299,7 @@
           <a:p>
             <a:fld id="{0079CAC6-A72B-4EF8-B465-34FA47827E7F}" type="slidenum">
               <a:rPr lang="en-US" smtClean="0"/>
-              <a:t>16</a:t>
+              <a:t>17</a:t>
             </a:fld>
             <a:endParaRPr lang="en-US" dirty="0"/>
           </a:p>
@@ -28156,7 +28318,7 @@
 </p:sld>
 </file>
 
-<file path=ppt/slides/slide17.xml><?xml version="1.0" encoding="utf-8"?>
+<file path=ppt/slides/slide18.xml><?xml version="1.0" encoding="utf-8"?>
 <p:sld xmlns:a="http://schemas.openxmlformats.org/drawingml/2006/main" xmlns:r="http://schemas.openxmlformats.org/officeDocument/2006/relationships" xmlns:p="http://schemas.openxmlformats.org/presentationml/2006/main">
   <p:cSld>
     <p:spTree>
@@ -28224,7 +28386,7 @@
           <a:p>
             <a:fld id="{0079CAC6-A72B-4EF8-B465-34FA47827E7F}" type="slidenum">
               <a:rPr lang="en-US" smtClean="0"/>
-              <a:t>17</a:t>
+              <a:t>18</a:t>
             </a:fld>
             <a:endParaRPr lang="en-US" dirty="0"/>
           </a:p>
@@ -28272,7 +28434,7 @@
 </p:sld>
 </file>
 
-<file path=ppt/slides/slide18.xml><?xml version="1.0" encoding="utf-8"?>
+<file path=ppt/slides/slide19.xml><?xml version="1.0" encoding="utf-8"?>
 <p:sld xmlns:a="http://schemas.openxmlformats.org/drawingml/2006/main" xmlns:r="http://schemas.openxmlformats.org/officeDocument/2006/relationships" xmlns:p="http://schemas.openxmlformats.org/presentationml/2006/main">
   <p:cSld>
     <p:spTree>
@@ -28340,7 +28502,7 @@
           <a:p>
             <a:fld id="{0079CAC6-A72B-4EF8-B465-34FA47827E7F}" type="slidenum">
               <a:rPr lang="en-US" smtClean="0"/>
-              <a:t>18</a:t>
+              <a:t>19</a:t>
             </a:fld>
             <a:endParaRPr lang="en-US" dirty="0"/>
           </a:p>
@@ -28428,174 +28590,6 @@
     <p:extLst>
       <p:ext uri="{BB962C8B-B14F-4D97-AF65-F5344CB8AC3E}">
         <p14:creationId xmlns:p14="http://schemas.microsoft.com/office/powerpoint/2010/main" val="214327160"/>
-      </p:ext>
-    </p:extLst>
-  </p:cSld>
-  <p:clrMapOvr>
-    <a:masterClrMapping/>
-  </p:clrMapOvr>
-</p:sld>
-</file>
-
-<file path=ppt/slides/slide19.xml><?xml version="1.0" encoding="utf-8"?>
-<p:sld xmlns:a="http://schemas.openxmlformats.org/drawingml/2006/main" xmlns:r="http://schemas.openxmlformats.org/officeDocument/2006/relationships" xmlns:p="http://schemas.openxmlformats.org/presentationml/2006/main">
-  <p:cSld>
-    <p:spTree>
-      <p:nvGrpSpPr>
-        <p:cNvPr id="1" name=""/>
-        <p:cNvGrpSpPr/>
-        <p:nvPr/>
-      </p:nvGrpSpPr>
-      <p:grpSpPr>
-        <a:xfrm>
-          <a:off x="0" y="0"/>
-          <a:ext cx="0" cy="0"/>
-          <a:chOff x="0" y="0"/>
-          <a:chExt cx="0" cy="0"/>
-        </a:xfrm>
-      </p:grpSpPr>
-      <p:sp>
-        <p:nvSpPr>
-          <p:cNvPr id="2" name="Title 1">
-            <a:extLst>
-              <a:ext uri="{FF2B5EF4-FFF2-40B4-BE49-F238E27FC236}">
-                <a16:creationId xmlns:a16="http://schemas.microsoft.com/office/drawing/2014/main" id="{F71B8F26-0BCC-BF92-69F5-D212B99E8CBC}"/>
-              </a:ext>
-            </a:extLst>
-          </p:cNvPr>
-          <p:cNvSpPr>
-            <a:spLocks noGrp="1"/>
-          </p:cNvSpPr>
-          <p:nvPr>
-            <p:ph type="title"/>
-          </p:nvPr>
-        </p:nvSpPr>
-        <p:spPr/>
-        <p:txBody>
-          <a:bodyPr/>
-          <a:lstStyle/>
-          <a:p>
-            <a:r>
-              <a:rPr lang="en-US" dirty="0"/>
-              <a:t>Building block of languages</a:t>
-            </a:r>
-          </a:p>
-        </p:txBody>
-      </p:sp>
-      <p:sp>
-        <p:nvSpPr>
-          <p:cNvPr id="3" name="Content Placeholder 2">
-            <a:extLst>
-              <a:ext uri="{FF2B5EF4-FFF2-40B4-BE49-F238E27FC236}">
-                <a16:creationId xmlns:a16="http://schemas.microsoft.com/office/drawing/2014/main" id="{26D9FC92-ACCA-AEF7-15D1-660D1EFBD868}"/>
-              </a:ext>
-            </a:extLst>
-          </p:cNvPr>
-          <p:cNvSpPr>
-            <a:spLocks noGrp="1"/>
-          </p:cNvSpPr>
-          <p:nvPr>
-            <p:ph idx="1"/>
-          </p:nvPr>
-        </p:nvSpPr>
-        <p:spPr/>
-        <p:txBody>
-          <a:bodyPr/>
-          <a:lstStyle/>
-          <a:p>
-            <a:r>
-              <a:rPr lang="en-US" dirty="0"/>
-              <a:t>Today programming languages have more convenient set of primitives.</a:t>
-            </a:r>
-          </a:p>
-          <a:p>
-            <a:r>
-              <a:rPr lang="en-US" dirty="0"/>
-              <a:t>We can create new primitives.</a:t>
-            </a:r>
-          </a:p>
-          <a:p>
-            <a:endParaRPr lang="en-US" dirty="0"/>
-          </a:p>
-          <a:p>
-            <a:pPr marL="0" indent="0">
-              <a:buNone/>
-            </a:pPr>
-            <a:endParaRPr lang="en-US" dirty="0"/>
-          </a:p>
-          <a:p>
-            <a:r>
-              <a:rPr lang="en-US" dirty="0"/>
-              <a:t>Anything computable in one language is computable/ transformable in/to another languages. </a:t>
-            </a:r>
-          </a:p>
-          <a:p>
-            <a:endParaRPr lang="en-US" dirty="0"/>
-          </a:p>
-        </p:txBody>
-      </p:sp>
-      <p:sp>
-        <p:nvSpPr>
-          <p:cNvPr id="4" name="Footer Placeholder 3">
-            <a:extLst>
-              <a:ext uri="{FF2B5EF4-FFF2-40B4-BE49-F238E27FC236}">
-                <a16:creationId xmlns:a16="http://schemas.microsoft.com/office/drawing/2014/main" id="{C7A9FBF4-8A4C-2AE3-240B-2AD5CF574F8B}"/>
-              </a:ext>
-            </a:extLst>
-          </p:cNvPr>
-          <p:cNvSpPr>
-            <a:spLocks noGrp="1"/>
-          </p:cNvSpPr>
-          <p:nvPr>
-            <p:ph type="ftr" sz="quarter" idx="11"/>
-          </p:nvPr>
-        </p:nvSpPr>
-        <p:spPr/>
-        <p:txBody>
-          <a:bodyPr/>
-          <a:lstStyle/>
-          <a:p>
-            <a:r>
-              <a:rPr lang="en-US"/>
-              <a:t>Fundamental Programming with Python</a:t>
-            </a:r>
-            <a:endParaRPr lang="en-US" dirty="0"/>
-          </a:p>
-        </p:txBody>
-      </p:sp>
-      <p:sp>
-        <p:nvSpPr>
-          <p:cNvPr id="5" name="Slide Number Placeholder 4">
-            <a:extLst>
-              <a:ext uri="{FF2B5EF4-FFF2-40B4-BE49-F238E27FC236}">
-                <a16:creationId xmlns:a16="http://schemas.microsoft.com/office/drawing/2014/main" id="{563D8DDE-07E6-F46A-1935-1C529C5700EF}"/>
-              </a:ext>
-            </a:extLst>
-          </p:cNvPr>
-          <p:cNvSpPr>
-            <a:spLocks noGrp="1"/>
-          </p:cNvSpPr>
-          <p:nvPr>
-            <p:ph type="sldNum" sz="quarter" idx="12"/>
-          </p:nvPr>
-        </p:nvSpPr>
-        <p:spPr/>
-        <p:txBody>
-          <a:bodyPr/>
-          <a:lstStyle/>
-          <a:p>
-            <a:fld id="{0079CAC6-A72B-4EF8-B465-34FA47827E7F}" type="slidenum">
-              <a:rPr lang="en-US" smtClean="0"/>
-              <a:t>19</a:t>
-            </a:fld>
-            <a:endParaRPr lang="en-US" dirty="0"/>
-          </a:p>
-        </p:txBody>
-      </p:sp>
-    </p:spTree>
-    <p:extLst>
-      <p:ext uri="{BB962C8B-B14F-4D97-AF65-F5344CB8AC3E}">
-        <p14:creationId xmlns:p14="http://schemas.microsoft.com/office/powerpoint/2010/main" val="1439666011"/>
       </p:ext>
     </p:extLst>
   </p:cSld>
@@ -28810,6 +28804,179 @@
           <p:cNvPr id="2" name="Title 1">
             <a:extLst>
               <a:ext uri="{FF2B5EF4-FFF2-40B4-BE49-F238E27FC236}">
+                <a16:creationId xmlns:a16="http://schemas.microsoft.com/office/drawing/2014/main" id="{F71B8F26-0BCC-BF92-69F5-D212B99E8CBC}"/>
+              </a:ext>
+            </a:extLst>
+          </p:cNvPr>
+          <p:cNvSpPr>
+            <a:spLocks noGrp="1"/>
+          </p:cNvSpPr>
+          <p:nvPr>
+            <p:ph type="title"/>
+          </p:nvPr>
+        </p:nvSpPr>
+        <p:spPr/>
+        <p:txBody>
+          <a:bodyPr/>
+          <a:lstStyle/>
+          <a:p>
+            <a:r>
+              <a:rPr lang="en-US" dirty="0"/>
+              <a:t>Building block of languages</a:t>
+            </a:r>
+          </a:p>
+        </p:txBody>
+      </p:sp>
+      <p:sp>
+        <p:nvSpPr>
+          <p:cNvPr id="3" name="Content Placeholder 2">
+            <a:extLst>
+              <a:ext uri="{FF2B5EF4-FFF2-40B4-BE49-F238E27FC236}">
+                <a16:creationId xmlns:a16="http://schemas.microsoft.com/office/drawing/2014/main" id="{26D9FC92-ACCA-AEF7-15D1-660D1EFBD868}"/>
+              </a:ext>
+            </a:extLst>
+          </p:cNvPr>
+          <p:cNvSpPr>
+            <a:spLocks noGrp="1"/>
+          </p:cNvSpPr>
+          <p:nvPr>
+            <p:ph idx="1"/>
+          </p:nvPr>
+        </p:nvSpPr>
+        <p:spPr/>
+        <p:txBody>
+          <a:bodyPr/>
+          <a:lstStyle/>
+          <a:p>
+            <a:r>
+              <a:rPr lang="en-US" dirty="0"/>
+              <a:t>Today programming languages have more convenient set of primitives.</a:t>
+            </a:r>
+          </a:p>
+          <a:p>
+            <a:r>
+              <a:rPr lang="en-US" dirty="0"/>
+              <a:t>We can create </a:t>
+            </a:r>
+            <a:r>
+              <a:rPr lang="en-US"/>
+              <a:t>new primitives…</a:t>
+            </a:r>
+            <a:endParaRPr lang="en-US" dirty="0"/>
+          </a:p>
+          <a:p>
+            <a:endParaRPr lang="en-US" dirty="0"/>
+          </a:p>
+          <a:p>
+            <a:pPr marL="0" indent="0">
+              <a:buNone/>
+            </a:pPr>
+            <a:endParaRPr lang="en-US" dirty="0"/>
+          </a:p>
+          <a:p>
+            <a:r>
+              <a:rPr lang="en-US" dirty="0"/>
+              <a:t>Anything computable in one language is computable/ transformable in/to another languages. </a:t>
+            </a:r>
+          </a:p>
+          <a:p>
+            <a:endParaRPr lang="en-US" dirty="0"/>
+          </a:p>
+        </p:txBody>
+      </p:sp>
+      <p:sp>
+        <p:nvSpPr>
+          <p:cNvPr id="4" name="Footer Placeholder 3">
+            <a:extLst>
+              <a:ext uri="{FF2B5EF4-FFF2-40B4-BE49-F238E27FC236}">
+                <a16:creationId xmlns:a16="http://schemas.microsoft.com/office/drawing/2014/main" id="{C7A9FBF4-8A4C-2AE3-240B-2AD5CF574F8B}"/>
+              </a:ext>
+            </a:extLst>
+          </p:cNvPr>
+          <p:cNvSpPr>
+            <a:spLocks noGrp="1"/>
+          </p:cNvSpPr>
+          <p:nvPr>
+            <p:ph type="ftr" sz="quarter" idx="11"/>
+          </p:nvPr>
+        </p:nvSpPr>
+        <p:spPr/>
+        <p:txBody>
+          <a:bodyPr/>
+          <a:lstStyle/>
+          <a:p>
+            <a:r>
+              <a:rPr lang="en-US"/>
+              <a:t>Fundamental Programming with Python</a:t>
+            </a:r>
+            <a:endParaRPr lang="en-US" dirty="0"/>
+          </a:p>
+        </p:txBody>
+      </p:sp>
+      <p:sp>
+        <p:nvSpPr>
+          <p:cNvPr id="5" name="Slide Number Placeholder 4">
+            <a:extLst>
+              <a:ext uri="{FF2B5EF4-FFF2-40B4-BE49-F238E27FC236}">
+                <a16:creationId xmlns:a16="http://schemas.microsoft.com/office/drawing/2014/main" id="{563D8DDE-07E6-F46A-1935-1C529C5700EF}"/>
+              </a:ext>
+            </a:extLst>
+          </p:cNvPr>
+          <p:cNvSpPr>
+            <a:spLocks noGrp="1"/>
+          </p:cNvSpPr>
+          <p:nvPr>
+            <p:ph type="sldNum" sz="quarter" idx="12"/>
+          </p:nvPr>
+        </p:nvSpPr>
+        <p:spPr/>
+        <p:txBody>
+          <a:bodyPr/>
+          <a:lstStyle/>
+          <a:p>
+            <a:fld id="{0079CAC6-A72B-4EF8-B465-34FA47827E7F}" type="slidenum">
+              <a:rPr lang="en-US" smtClean="0"/>
+              <a:t>20</a:t>
+            </a:fld>
+            <a:endParaRPr lang="en-US" dirty="0"/>
+          </a:p>
+        </p:txBody>
+      </p:sp>
+    </p:spTree>
+    <p:extLst>
+      <p:ext uri="{BB962C8B-B14F-4D97-AF65-F5344CB8AC3E}">
+        <p14:creationId xmlns:p14="http://schemas.microsoft.com/office/powerpoint/2010/main" val="1439666011"/>
+      </p:ext>
+    </p:extLst>
+  </p:cSld>
+  <p:clrMapOvr>
+    <a:masterClrMapping/>
+  </p:clrMapOvr>
+</p:sld>
+</file>
+
+<file path=ppt/slides/slide21.xml><?xml version="1.0" encoding="utf-8"?>
+<p:sld xmlns:a="http://schemas.openxmlformats.org/drawingml/2006/main" xmlns:r="http://schemas.openxmlformats.org/officeDocument/2006/relationships" xmlns:p="http://schemas.openxmlformats.org/presentationml/2006/main">
+  <p:cSld>
+    <p:spTree>
+      <p:nvGrpSpPr>
+        <p:cNvPr id="1" name=""/>
+        <p:cNvGrpSpPr/>
+        <p:nvPr/>
+      </p:nvGrpSpPr>
+      <p:grpSpPr>
+        <a:xfrm>
+          <a:off x="0" y="0"/>
+          <a:ext cx="0" cy="0"/>
+          <a:chOff x="0" y="0"/>
+          <a:chExt cx="0" cy="0"/>
+        </a:xfrm>
+      </p:grpSpPr>
+      <p:sp>
+        <p:nvSpPr>
+          <p:cNvPr id="2" name="Title 1">
+            <a:extLst>
+              <a:ext uri="{FF2B5EF4-FFF2-40B4-BE49-F238E27FC236}">
                 <a16:creationId xmlns:a16="http://schemas.microsoft.com/office/drawing/2014/main" id="{1AD8AAB7-1E1C-BFCA-AEE5-09525A61A4AB}"/>
               </a:ext>
             </a:extLst>
@@ -28931,7 +29098,7 @@
           <a:p>
             <a:fld id="{0079CAC6-A72B-4EF8-B465-34FA47827E7F}" type="slidenum">
               <a:rPr lang="en-US" smtClean="0"/>
-              <a:t>20</a:t>
+              <a:t>21</a:t>
             </a:fld>
             <a:endParaRPr lang="en-US" dirty="0"/>
           </a:p>
@@ -28950,7 +29117,7 @@
 </p:sld>
 </file>
 
-<file path=ppt/slides/slide21.xml><?xml version="1.0" encoding="utf-8"?>
+<file path=ppt/slides/slide22.xml><?xml version="1.0" encoding="utf-8"?>
 <p:sld xmlns:a="http://schemas.openxmlformats.org/drawingml/2006/main" xmlns:r="http://schemas.openxmlformats.org/officeDocument/2006/relationships" xmlns:p="http://schemas.openxmlformats.org/presentationml/2006/main">
   <p:cSld>
     <p:spTree>
@@ -29103,7 +29270,7 @@
           <a:p>
             <a:fld id="{0079CAC6-A72B-4EF8-B465-34FA47827E7F}" type="slidenum">
               <a:rPr lang="en-US" smtClean="0"/>
-              <a:t>21</a:t>
+              <a:t>22</a:t>
             </a:fld>
             <a:endParaRPr lang="en-US" dirty="0"/>
           </a:p>
@@ -29122,7 +29289,7 @@
 </p:sld>
 </file>
 
-<file path=ppt/slides/slide22.xml><?xml version="1.0" encoding="utf-8"?>
+<file path=ppt/slides/slide23.xml><?xml version="1.0" encoding="utf-8"?>
 <p:sld xmlns:a="http://schemas.openxmlformats.org/drawingml/2006/main" xmlns:r="http://schemas.openxmlformats.org/officeDocument/2006/relationships" xmlns:p="http://schemas.openxmlformats.org/presentationml/2006/main">
   <p:cSld>
     <p:spTree>
@@ -29190,7 +29357,7 @@
           <a:p>
             <a:fld id="{0079CAC6-A72B-4EF8-B465-34FA47827E7F}" type="slidenum">
               <a:rPr lang="en-US" smtClean="0"/>
-              <a:t>22</a:t>
+              <a:t>23</a:t>
             </a:fld>
             <a:endParaRPr lang="en-US" dirty="0"/>
           </a:p>
@@ -29238,7 +29405,7 @@
 </p:sld>
 </file>
 
-<file path=ppt/slides/slide23.xml><?xml version="1.0" encoding="utf-8"?>
+<file path=ppt/slides/slide24.xml><?xml version="1.0" encoding="utf-8"?>
 <p:sld xmlns:a="http://schemas.openxmlformats.org/drawingml/2006/main" xmlns:r="http://schemas.openxmlformats.org/officeDocument/2006/relationships" xmlns:p="http://schemas.openxmlformats.org/presentationml/2006/main">
   <p:cSld>
     <p:spTree>
@@ -29384,7 +29551,7 @@
           <a:p>
             <a:fld id="{0079CAC6-A72B-4EF8-B465-34FA47827E7F}" type="slidenum">
               <a:rPr lang="en-US" smtClean="0"/>
-              <a:t>23</a:t>
+              <a:t>24</a:t>
             </a:fld>
             <a:endParaRPr lang="en-US" dirty="0"/>
           </a:p>
@@ -29403,7 +29570,7 @@
 </p:sld>
 </file>
 
-<file path=ppt/slides/slide24.xml><?xml version="1.0" encoding="utf-8"?>
+<file path=ppt/slides/slide25.xml><?xml version="1.0" encoding="utf-8"?>
 <p:sld xmlns:a="http://schemas.openxmlformats.org/drawingml/2006/main" xmlns:r="http://schemas.openxmlformats.org/officeDocument/2006/relationships" xmlns:p="http://schemas.openxmlformats.org/presentationml/2006/main">
   <p:cSld>
     <p:spTree>
@@ -29552,7 +29719,7 @@
           <a:p>
             <a:fld id="{0079CAC6-A72B-4EF8-B465-34FA47827E7F}" type="slidenum">
               <a:rPr lang="en-US" smtClean="0"/>
-              <a:t>24</a:t>
+              <a:t>25</a:t>
             </a:fld>
             <a:endParaRPr lang="en-US" dirty="0"/>
           </a:p>
@@ -29571,7 +29738,7 @@
 </p:sld>
 </file>
 
-<file path=ppt/slides/slide25.xml><?xml version="1.0" encoding="utf-8"?>
+<file path=ppt/slides/slide26.xml><?xml version="1.0" encoding="utf-8"?>
 <p:sld xmlns:a="http://schemas.openxmlformats.org/drawingml/2006/main" xmlns:r="http://schemas.openxmlformats.org/officeDocument/2006/relationships" xmlns:p="http://schemas.openxmlformats.org/presentationml/2006/main">
   <p:cSld>
     <p:spTree>
@@ -29673,7 +29840,7 @@
           <a:p>
             <a:fld id="{0079CAC6-A72B-4EF8-B465-34FA47827E7F}" type="slidenum">
               <a:rPr lang="en-US" smtClean="0"/>
-              <a:t>25</a:t>
+              <a:t>26</a:t>
             </a:fld>
             <a:endParaRPr lang="en-US" dirty="0"/>
           </a:p>
@@ -29720,7 +29887,7 @@
 </p:sld>
 </file>
 
-<file path=ppt/slides/slide26.xml><?xml version="1.0" encoding="utf-8"?>
+<file path=ppt/slides/slide27.xml><?xml version="1.0" encoding="utf-8"?>
 <p:sld xmlns:a="http://schemas.openxmlformats.org/drawingml/2006/main" xmlns:r="http://schemas.openxmlformats.org/officeDocument/2006/relationships" xmlns:p="http://schemas.openxmlformats.org/presentationml/2006/main">
   <p:cSld>
     <p:spTree>
@@ -29788,7 +29955,7 @@
           <a:p>
             <a:fld id="{0079CAC6-A72B-4EF8-B465-34FA47827E7F}" type="slidenum">
               <a:rPr lang="en-US" smtClean="0"/>
-              <a:t>26</a:t>
+              <a:t>27</a:t>
             </a:fld>
             <a:endParaRPr lang="en-US" dirty="0"/>
           </a:p>
@@ -29836,7 +30003,7 @@
 </p:sld>
 </file>
 
-<file path=ppt/slides/slide27.xml><?xml version="1.0" encoding="utf-8"?>
+<file path=ppt/slides/slide28.xml><?xml version="1.0" encoding="utf-8"?>
 <p:sld xmlns:a="http://schemas.openxmlformats.org/drawingml/2006/main" xmlns:r="http://schemas.openxmlformats.org/officeDocument/2006/relationships" xmlns:p="http://schemas.openxmlformats.org/presentationml/2006/main">
   <p:cSld>
     <p:spTree>
@@ -29962,7 +30129,7 @@
           <a:p>
             <a:fld id="{0079CAC6-A72B-4EF8-B465-34FA47827E7F}" type="slidenum">
               <a:rPr lang="en-US" smtClean="0"/>
-              <a:t>27</a:t>
+              <a:t>28</a:t>
             </a:fld>
             <a:endParaRPr lang="en-US" dirty="0"/>
           </a:p>
@@ -29981,7 +30148,7 @@
 </p:sld>
 </file>
 
-<file path=ppt/slides/slide28.xml><?xml version="1.0" encoding="utf-8"?>
+<file path=ppt/slides/slide29.xml><?xml version="1.0" encoding="utf-8"?>
 <p:sld xmlns:a="http://schemas.openxmlformats.org/drawingml/2006/main" xmlns:r="http://schemas.openxmlformats.org/officeDocument/2006/relationships" xmlns:p="http://schemas.openxmlformats.org/presentationml/2006/main">
   <p:cSld>
     <p:spTree>
@@ -30112,7 +30279,7 @@
           <a:p>
             <a:fld id="{0079CAC6-A72B-4EF8-B465-34FA47827E7F}" type="slidenum">
               <a:rPr lang="en-US" smtClean="0"/>
-              <a:t>28</a:t>
+              <a:t>29</a:t>
             </a:fld>
             <a:endParaRPr lang="en-US" dirty="0"/>
           </a:p>
@@ -30178,7 +30345,912 @@
 </p:sld>
 </file>
 
-<file path=ppt/slides/slide29.xml><?xml version="1.0" encoding="utf-8"?>
+<file path=ppt/slides/slide3.xml><?xml version="1.0" encoding="utf-8"?>
+<p:sld xmlns:a="http://schemas.openxmlformats.org/drawingml/2006/main" xmlns:r="http://schemas.openxmlformats.org/officeDocument/2006/relationships" xmlns:p="http://schemas.openxmlformats.org/presentationml/2006/main">
+  <p:cSld>
+    <p:spTree>
+      <p:nvGrpSpPr>
+        <p:cNvPr id="1" name=""/>
+        <p:cNvGrpSpPr/>
+        <p:nvPr/>
+      </p:nvGrpSpPr>
+      <p:grpSpPr>
+        <a:xfrm>
+          <a:off x="0" y="0"/>
+          <a:ext cx="0" cy="0"/>
+          <a:chOff x="0" y="0"/>
+          <a:chExt cx="0" cy="0"/>
+        </a:xfrm>
+      </p:grpSpPr>
+      <p:sp>
+        <p:nvSpPr>
+          <p:cNvPr id="2" name="Title 1">
+            <a:extLst>
+              <a:ext uri="{FF2B5EF4-FFF2-40B4-BE49-F238E27FC236}">
+                <a16:creationId xmlns:a16="http://schemas.microsoft.com/office/drawing/2014/main" id="{87B1A73B-6C72-C6E9-38EE-574B6DD11391}"/>
+              </a:ext>
+            </a:extLst>
+          </p:cNvPr>
+          <p:cNvSpPr>
+            <a:spLocks noGrp="1"/>
+          </p:cNvSpPr>
+          <p:nvPr>
+            <p:ph type="title"/>
+          </p:nvPr>
+        </p:nvSpPr>
+        <p:spPr/>
+        <p:txBody>
+          <a:bodyPr/>
+          <a:lstStyle/>
+          <a:p>
+            <a:r>
+              <a:rPr lang="en-US" dirty="0"/>
+              <a:t>Today</a:t>
+            </a:r>
+          </a:p>
+        </p:txBody>
+      </p:sp>
+      <p:sp>
+        <p:nvSpPr>
+          <p:cNvPr id="3" name="Content Placeholder 2">
+            <a:extLst>
+              <a:ext uri="{FF2B5EF4-FFF2-40B4-BE49-F238E27FC236}">
+                <a16:creationId xmlns:a16="http://schemas.microsoft.com/office/drawing/2014/main" id="{8F365F2D-194E-E711-907C-908961A12084}"/>
+              </a:ext>
+            </a:extLst>
+          </p:cNvPr>
+          <p:cNvSpPr>
+            <a:spLocks noGrp="1"/>
+          </p:cNvSpPr>
+          <p:nvPr>
+            <p:ph idx="1"/>
+          </p:nvPr>
+        </p:nvSpPr>
+        <p:spPr/>
+        <p:txBody>
+          <a:bodyPr>
+            <a:normAutofit/>
+          </a:bodyPr>
+          <a:lstStyle/>
+          <a:p>
+            <a:r>
+              <a:rPr lang="en-US" dirty="0"/>
+              <a:t>Short Presentations</a:t>
+            </a:r>
+          </a:p>
+          <a:p>
+            <a:r>
+              <a:rPr lang="en-US" dirty="0"/>
+              <a:t>Review the Last Lecture</a:t>
+            </a:r>
+          </a:p>
+          <a:p>
+            <a:r>
+              <a:rPr lang="en-US" dirty="0"/>
+              <a:t>Primitive Instructions</a:t>
+            </a:r>
+          </a:p>
+          <a:p>
+            <a:r>
+              <a:rPr lang="en-US" dirty="0"/>
+              <a:t>Language Structure</a:t>
+            </a:r>
+          </a:p>
+          <a:p>
+            <a:r>
+              <a:rPr lang="en-US" dirty="0"/>
+              <a:t>Python Programming Language</a:t>
+            </a:r>
+          </a:p>
+          <a:p>
+            <a:r>
+              <a:rPr lang="en-US" dirty="0">
+                <a:solidFill>
+                  <a:schemeClr val="accent6"/>
+                </a:solidFill>
+              </a:rPr>
+              <a:t>Application of Programming in the Digital Age!</a:t>
+            </a:r>
+            <a:endParaRPr lang="fa-IR" dirty="0">
+              <a:solidFill>
+                <a:schemeClr val="accent6"/>
+              </a:solidFill>
+            </a:endParaRPr>
+          </a:p>
+        </p:txBody>
+      </p:sp>
+      <p:sp>
+        <p:nvSpPr>
+          <p:cNvPr id="4" name="Slide Number Placeholder 3">
+            <a:extLst>
+              <a:ext uri="{FF2B5EF4-FFF2-40B4-BE49-F238E27FC236}">
+                <a16:creationId xmlns:a16="http://schemas.microsoft.com/office/drawing/2014/main" id="{2556300D-25DE-4DCB-83C2-F8447A300882}"/>
+              </a:ext>
+            </a:extLst>
+          </p:cNvPr>
+          <p:cNvSpPr>
+            <a:spLocks noGrp="1"/>
+          </p:cNvSpPr>
+          <p:nvPr>
+            <p:ph type="sldNum" sz="quarter" idx="12"/>
+          </p:nvPr>
+        </p:nvSpPr>
+        <p:spPr/>
+        <p:txBody>
+          <a:bodyPr/>
+          <a:lstStyle/>
+          <a:p>
+            <a:fld id="{0079CAC6-A72B-4EF8-B465-34FA47827E7F}" type="slidenum">
+              <a:rPr lang="en-US" smtClean="0"/>
+              <a:t>3</a:t>
+            </a:fld>
+            <a:endParaRPr lang="en-US" dirty="0"/>
+          </a:p>
+        </p:txBody>
+      </p:sp>
+      <p:sp>
+        <p:nvSpPr>
+          <p:cNvPr id="5" name="Footer Placeholder 4">
+            <a:extLst>
+              <a:ext uri="{FF2B5EF4-FFF2-40B4-BE49-F238E27FC236}">
+                <a16:creationId xmlns:a16="http://schemas.microsoft.com/office/drawing/2014/main" id="{C698F15F-8CBD-19A6-FD8E-9F54F23195D9}"/>
+              </a:ext>
+            </a:extLst>
+          </p:cNvPr>
+          <p:cNvSpPr>
+            <a:spLocks noGrp="1"/>
+          </p:cNvSpPr>
+          <p:nvPr>
+            <p:ph type="ftr" sz="quarter" idx="11"/>
+          </p:nvPr>
+        </p:nvSpPr>
+        <p:spPr/>
+        <p:txBody>
+          <a:bodyPr/>
+          <a:lstStyle/>
+          <a:p>
+            <a:r>
+              <a:rPr lang="en-US"/>
+              <a:t>Fundamental Programming with Python</a:t>
+            </a:r>
+            <a:endParaRPr lang="en-US" dirty="0"/>
+          </a:p>
+        </p:txBody>
+      </p:sp>
+    </p:spTree>
+    <p:extLst>
+      <p:ext uri="{BB962C8B-B14F-4D97-AF65-F5344CB8AC3E}">
+        <p14:creationId xmlns:p14="http://schemas.microsoft.com/office/powerpoint/2010/main" val="3611489948"/>
+      </p:ext>
+    </p:extLst>
+  </p:cSld>
+  <p:clrMapOvr>
+    <a:masterClrMapping/>
+  </p:clrMapOvr>
+  <p:timing>
+    <p:tnLst>
+      <p:par>
+        <p:cTn id="1" dur="indefinite" restart="never" nodeType="tmRoot">
+          <p:childTnLst>
+            <p:seq concurrent="1" nextAc="seek">
+              <p:cTn id="2" dur="indefinite" nodeType="mainSeq">
+                <p:childTnLst>
+                  <p:par>
+                    <p:cTn id="3" fill="hold">
+                      <p:stCondLst>
+                        <p:cond delay="indefinite"/>
+                      </p:stCondLst>
+                      <p:childTnLst>
+                        <p:par>
+                          <p:cTn id="4" fill="hold">
+                            <p:stCondLst>
+                              <p:cond delay="0"/>
+                            </p:stCondLst>
+                            <p:childTnLst>
+                              <p:par>
+                                <p:cTn id="5" presetID="42" presetClass="entr" presetSubtype="0" fill="hold" nodeType="clickEffect">
+                                  <p:stCondLst>
+                                    <p:cond delay="0"/>
+                                  </p:stCondLst>
+                                  <p:childTnLst>
+                                    <p:set>
+                                      <p:cBhvr>
+                                        <p:cTn id="6" dur="1" fill="hold">
+                                          <p:stCondLst>
+                                            <p:cond delay="0"/>
+                                          </p:stCondLst>
+                                        </p:cTn>
+                                        <p:tgtEl>
+                                          <p:spTgt spid="3">
+                                            <p:txEl>
+                                              <p:pRg st="0" end="0"/>
+                                            </p:txEl>
+                                          </p:spTgt>
+                                        </p:tgtEl>
+                                        <p:attrNameLst>
+                                          <p:attrName>style.visibility</p:attrName>
+                                        </p:attrNameLst>
+                                      </p:cBhvr>
+                                      <p:to>
+                                        <p:strVal val="visible"/>
+                                      </p:to>
+                                    </p:set>
+                                    <p:animEffect transition="in" filter="fade">
+                                      <p:cBhvr>
+                                        <p:cTn id="7" dur="1000"/>
+                                        <p:tgtEl>
+                                          <p:spTgt spid="3">
+                                            <p:txEl>
+                                              <p:pRg st="0" end="0"/>
+                                            </p:txEl>
+                                          </p:spTgt>
+                                        </p:tgtEl>
+                                      </p:cBhvr>
+                                    </p:animEffect>
+                                    <p:anim calcmode="lin" valueType="num">
+                                      <p:cBhvr>
+                                        <p:cTn id="8" dur="1000" fill="hold"/>
+                                        <p:tgtEl>
+                                          <p:spTgt spid="3">
+                                            <p:txEl>
+                                              <p:pRg st="0" end="0"/>
+                                            </p:txEl>
+                                          </p:spTgt>
+                                        </p:tgtEl>
+                                        <p:attrNameLst>
+                                          <p:attrName>ppt_x</p:attrName>
+                                        </p:attrNameLst>
+                                      </p:cBhvr>
+                                      <p:tavLst>
+                                        <p:tav tm="0">
+                                          <p:val>
+                                            <p:strVal val="#ppt_x"/>
+                                          </p:val>
+                                        </p:tav>
+                                        <p:tav tm="100000">
+                                          <p:val>
+                                            <p:strVal val="#ppt_x"/>
+                                          </p:val>
+                                        </p:tav>
+                                      </p:tavLst>
+                                    </p:anim>
+                                    <p:anim calcmode="lin" valueType="num">
+                                      <p:cBhvr>
+                                        <p:cTn id="9" dur="1000" fill="hold"/>
+                                        <p:tgtEl>
+                                          <p:spTgt spid="3">
+                                            <p:txEl>
+                                              <p:pRg st="0" end="0"/>
+                                            </p:txEl>
+                                          </p:spTgt>
+                                        </p:tgtEl>
+                                        <p:attrNameLst>
+                                          <p:attrName>ppt_y</p:attrName>
+                                        </p:attrNameLst>
+                                      </p:cBhvr>
+                                      <p:tavLst>
+                                        <p:tav tm="0">
+                                          <p:val>
+                                            <p:strVal val="#ppt_y+.1"/>
+                                          </p:val>
+                                        </p:tav>
+                                        <p:tav tm="100000">
+                                          <p:val>
+                                            <p:strVal val="#ppt_y"/>
+                                          </p:val>
+                                        </p:tav>
+                                      </p:tavLst>
+                                    </p:anim>
+                                  </p:childTnLst>
+                                </p:cTn>
+                              </p:par>
+                            </p:childTnLst>
+                          </p:cTn>
+                        </p:par>
+                      </p:childTnLst>
+                    </p:cTn>
+                  </p:par>
+                  <p:par>
+                    <p:cTn id="10" fill="hold">
+                      <p:stCondLst>
+                        <p:cond delay="indefinite"/>
+                      </p:stCondLst>
+                      <p:childTnLst>
+                        <p:par>
+                          <p:cTn id="11" fill="hold">
+                            <p:stCondLst>
+                              <p:cond delay="0"/>
+                            </p:stCondLst>
+                            <p:childTnLst>
+                              <p:par>
+                                <p:cTn id="12" presetID="42" presetClass="entr" presetSubtype="0" fill="hold" nodeType="clickEffect">
+                                  <p:stCondLst>
+                                    <p:cond delay="0"/>
+                                  </p:stCondLst>
+                                  <p:childTnLst>
+                                    <p:set>
+                                      <p:cBhvr>
+                                        <p:cTn id="13" dur="1" fill="hold">
+                                          <p:stCondLst>
+                                            <p:cond delay="0"/>
+                                          </p:stCondLst>
+                                        </p:cTn>
+                                        <p:tgtEl>
+                                          <p:spTgt spid="3">
+                                            <p:txEl>
+                                              <p:pRg st="1" end="1"/>
+                                            </p:txEl>
+                                          </p:spTgt>
+                                        </p:tgtEl>
+                                        <p:attrNameLst>
+                                          <p:attrName>style.visibility</p:attrName>
+                                        </p:attrNameLst>
+                                      </p:cBhvr>
+                                      <p:to>
+                                        <p:strVal val="visible"/>
+                                      </p:to>
+                                    </p:set>
+                                    <p:animEffect transition="in" filter="fade">
+                                      <p:cBhvr>
+                                        <p:cTn id="14" dur="1000"/>
+                                        <p:tgtEl>
+                                          <p:spTgt spid="3">
+                                            <p:txEl>
+                                              <p:pRg st="1" end="1"/>
+                                            </p:txEl>
+                                          </p:spTgt>
+                                        </p:tgtEl>
+                                      </p:cBhvr>
+                                    </p:animEffect>
+                                    <p:anim calcmode="lin" valueType="num">
+                                      <p:cBhvr>
+                                        <p:cTn id="15" dur="1000" fill="hold"/>
+                                        <p:tgtEl>
+                                          <p:spTgt spid="3">
+                                            <p:txEl>
+                                              <p:pRg st="1" end="1"/>
+                                            </p:txEl>
+                                          </p:spTgt>
+                                        </p:tgtEl>
+                                        <p:attrNameLst>
+                                          <p:attrName>ppt_x</p:attrName>
+                                        </p:attrNameLst>
+                                      </p:cBhvr>
+                                      <p:tavLst>
+                                        <p:tav tm="0">
+                                          <p:val>
+                                            <p:strVal val="#ppt_x"/>
+                                          </p:val>
+                                        </p:tav>
+                                        <p:tav tm="100000">
+                                          <p:val>
+                                            <p:strVal val="#ppt_x"/>
+                                          </p:val>
+                                        </p:tav>
+                                      </p:tavLst>
+                                    </p:anim>
+                                    <p:anim calcmode="lin" valueType="num">
+                                      <p:cBhvr>
+                                        <p:cTn id="16" dur="1000" fill="hold"/>
+                                        <p:tgtEl>
+                                          <p:spTgt spid="3">
+                                            <p:txEl>
+                                              <p:pRg st="1" end="1"/>
+                                            </p:txEl>
+                                          </p:spTgt>
+                                        </p:tgtEl>
+                                        <p:attrNameLst>
+                                          <p:attrName>ppt_y</p:attrName>
+                                        </p:attrNameLst>
+                                      </p:cBhvr>
+                                      <p:tavLst>
+                                        <p:tav tm="0">
+                                          <p:val>
+                                            <p:strVal val="#ppt_y+.1"/>
+                                          </p:val>
+                                        </p:tav>
+                                        <p:tav tm="100000">
+                                          <p:val>
+                                            <p:strVal val="#ppt_y"/>
+                                          </p:val>
+                                        </p:tav>
+                                      </p:tavLst>
+                                    </p:anim>
+                                  </p:childTnLst>
+                                </p:cTn>
+                              </p:par>
+                            </p:childTnLst>
+                          </p:cTn>
+                        </p:par>
+                      </p:childTnLst>
+                    </p:cTn>
+                  </p:par>
+                  <p:par>
+                    <p:cTn id="17" fill="hold">
+                      <p:stCondLst>
+                        <p:cond delay="indefinite"/>
+                      </p:stCondLst>
+                      <p:childTnLst>
+                        <p:par>
+                          <p:cTn id="18" fill="hold">
+                            <p:stCondLst>
+                              <p:cond delay="0"/>
+                            </p:stCondLst>
+                            <p:childTnLst>
+                              <p:par>
+                                <p:cTn id="19" presetID="42" presetClass="entr" presetSubtype="0" fill="hold" nodeType="clickEffect">
+                                  <p:stCondLst>
+                                    <p:cond delay="0"/>
+                                  </p:stCondLst>
+                                  <p:childTnLst>
+                                    <p:set>
+                                      <p:cBhvr>
+                                        <p:cTn id="20" dur="1" fill="hold">
+                                          <p:stCondLst>
+                                            <p:cond delay="0"/>
+                                          </p:stCondLst>
+                                        </p:cTn>
+                                        <p:tgtEl>
+                                          <p:spTgt spid="3">
+                                            <p:txEl>
+                                              <p:pRg st="2" end="2"/>
+                                            </p:txEl>
+                                          </p:spTgt>
+                                        </p:tgtEl>
+                                        <p:attrNameLst>
+                                          <p:attrName>style.visibility</p:attrName>
+                                        </p:attrNameLst>
+                                      </p:cBhvr>
+                                      <p:to>
+                                        <p:strVal val="visible"/>
+                                      </p:to>
+                                    </p:set>
+                                    <p:animEffect transition="in" filter="fade">
+                                      <p:cBhvr>
+                                        <p:cTn id="21" dur="1000"/>
+                                        <p:tgtEl>
+                                          <p:spTgt spid="3">
+                                            <p:txEl>
+                                              <p:pRg st="2" end="2"/>
+                                            </p:txEl>
+                                          </p:spTgt>
+                                        </p:tgtEl>
+                                      </p:cBhvr>
+                                    </p:animEffect>
+                                    <p:anim calcmode="lin" valueType="num">
+                                      <p:cBhvr>
+                                        <p:cTn id="22" dur="1000" fill="hold"/>
+                                        <p:tgtEl>
+                                          <p:spTgt spid="3">
+                                            <p:txEl>
+                                              <p:pRg st="2" end="2"/>
+                                            </p:txEl>
+                                          </p:spTgt>
+                                        </p:tgtEl>
+                                        <p:attrNameLst>
+                                          <p:attrName>ppt_x</p:attrName>
+                                        </p:attrNameLst>
+                                      </p:cBhvr>
+                                      <p:tavLst>
+                                        <p:tav tm="0">
+                                          <p:val>
+                                            <p:strVal val="#ppt_x"/>
+                                          </p:val>
+                                        </p:tav>
+                                        <p:tav tm="100000">
+                                          <p:val>
+                                            <p:strVal val="#ppt_x"/>
+                                          </p:val>
+                                        </p:tav>
+                                      </p:tavLst>
+                                    </p:anim>
+                                    <p:anim calcmode="lin" valueType="num">
+                                      <p:cBhvr>
+                                        <p:cTn id="23" dur="1000" fill="hold"/>
+                                        <p:tgtEl>
+                                          <p:spTgt spid="3">
+                                            <p:txEl>
+                                              <p:pRg st="2" end="2"/>
+                                            </p:txEl>
+                                          </p:spTgt>
+                                        </p:tgtEl>
+                                        <p:attrNameLst>
+                                          <p:attrName>ppt_y</p:attrName>
+                                        </p:attrNameLst>
+                                      </p:cBhvr>
+                                      <p:tavLst>
+                                        <p:tav tm="0">
+                                          <p:val>
+                                            <p:strVal val="#ppt_y+.1"/>
+                                          </p:val>
+                                        </p:tav>
+                                        <p:tav tm="100000">
+                                          <p:val>
+                                            <p:strVal val="#ppt_y"/>
+                                          </p:val>
+                                        </p:tav>
+                                      </p:tavLst>
+                                    </p:anim>
+                                  </p:childTnLst>
+                                </p:cTn>
+                              </p:par>
+                            </p:childTnLst>
+                          </p:cTn>
+                        </p:par>
+                      </p:childTnLst>
+                    </p:cTn>
+                  </p:par>
+                  <p:par>
+                    <p:cTn id="24" fill="hold">
+                      <p:stCondLst>
+                        <p:cond delay="indefinite"/>
+                      </p:stCondLst>
+                      <p:childTnLst>
+                        <p:par>
+                          <p:cTn id="25" fill="hold">
+                            <p:stCondLst>
+                              <p:cond delay="0"/>
+                            </p:stCondLst>
+                            <p:childTnLst>
+                              <p:par>
+                                <p:cTn id="26" presetID="42" presetClass="entr" presetSubtype="0" fill="hold" nodeType="clickEffect">
+                                  <p:stCondLst>
+                                    <p:cond delay="0"/>
+                                  </p:stCondLst>
+                                  <p:childTnLst>
+                                    <p:set>
+                                      <p:cBhvr>
+                                        <p:cTn id="27" dur="1" fill="hold">
+                                          <p:stCondLst>
+                                            <p:cond delay="0"/>
+                                          </p:stCondLst>
+                                        </p:cTn>
+                                        <p:tgtEl>
+                                          <p:spTgt spid="3">
+                                            <p:txEl>
+                                              <p:pRg st="3" end="3"/>
+                                            </p:txEl>
+                                          </p:spTgt>
+                                        </p:tgtEl>
+                                        <p:attrNameLst>
+                                          <p:attrName>style.visibility</p:attrName>
+                                        </p:attrNameLst>
+                                      </p:cBhvr>
+                                      <p:to>
+                                        <p:strVal val="visible"/>
+                                      </p:to>
+                                    </p:set>
+                                    <p:animEffect transition="in" filter="fade">
+                                      <p:cBhvr>
+                                        <p:cTn id="28" dur="1000"/>
+                                        <p:tgtEl>
+                                          <p:spTgt spid="3">
+                                            <p:txEl>
+                                              <p:pRg st="3" end="3"/>
+                                            </p:txEl>
+                                          </p:spTgt>
+                                        </p:tgtEl>
+                                      </p:cBhvr>
+                                    </p:animEffect>
+                                    <p:anim calcmode="lin" valueType="num">
+                                      <p:cBhvr>
+                                        <p:cTn id="29" dur="1000" fill="hold"/>
+                                        <p:tgtEl>
+                                          <p:spTgt spid="3">
+                                            <p:txEl>
+                                              <p:pRg st="3" end="3"/>
+                                            </p:txEl>
+                                          </p:spTgt>
+                                        </p:tgtEl>
+                                        <p:attrNameLst>
+                                          <p:attrName>ppt_x</p:attrName>
+                                        </p:attrNameLst>
+                                      </p:cBhvr>
+                                      <p:tavLst>
+                                        <p:tav tm="0">
+                                          <p:val>
+                                            <p:strVal val="#ppt_x"/>
+                                          </p:val>
+                                        </p:tav>
+                                        <p:tav tm="100000">
+                                          <p:val>
+                                            <p:strVal val="#ppt_x"/>
+                                          </p:val>
+                                        </p:tav>
+                                      </p:tavLst>
+                                    </p:anim>
+                                    <p:anim calcmode="lin" valueType="num">
+                                      <p:cBhvr>
+                                        <p:cTn id="30" dur="1000" fill="hold"/>
+                                        <p:tgtEl>
+                                          <p:spTgt spid="3">
+                                            <p:txEl>
+                                              <p:pRg st="3" end="3"/>
+                                            </p:txEl>
+                                          </p:spTgt>
+                                        </p:tgtEl>
+                                        <p:attrNameLst>
+                                          <p:attrName>ppt_y</p:attrName>
+                                        </p:attrNameLst>
+                                      </p:cBhvr>
+                                      <p:tavLst>
+                                        <p:tav tm="0">
+                                          <p:val>
+                                            <p:strVal val="#ppt_y+.1"/>
+                                          </p:val>
+                                        </p:tav>
+                                        <p:tav tm="100000">
+                                          <p:val>
+                                            <p:strVal val="#ppt_y"/>
+                                          </p:val>
+                                        </p:tav>
+                                      </p:tavLst>
+                                    </p:anim>
+                                  </p:childTnLst>
+                                </p:cTn>
+                              </p:par>
+                            </p:childTnLst>
+                          </p:cTn>
+                        </p:par>
+                      </p:childTnLst>
+                    </p:cTn>
+                  </p:par>
+                  <p:par>
+                    <p:cTn id="31" fill="hold">
+                      <p:stCondLst>
+                        <p:cond delay="indefinite"/>
+                      </p:stCondLst>
+                      <p:childTnLst>
+                        <p:par>
+                          <p:cTn id="32" fill="hold">
+                            <p:stCondLst>
+                              <p:cond delay="0"/>
+                            </p:stCondLst>
+                            <p:childTnLst>
+                              <p:par>
+                                <p:cTn id="33" presetID="42" presetClass="entr" presetSubtype="0" fill="hold" nodeType="clickEffect">
+                                  <p:stCondLst>
+                                    <p:cond delay="0"/>
+                                  </p:stCondLst>
+                                  <p:childTnLst>
+                                    <p:set>
+                                      <p:cBhvr>
+                                        <p:cTn id="34" dur="1" fill="hold">
+                                          <p:stCondLst>
+                                            <p:cond delay="0"/>
+                                          </p:stCondLst>
+                                        </p:cTn>
+                                        <p:tgtEl>
+                                          <p:spTgt spid="3">
+                                            <p:txEl>
+                                              <p:pRg st="4" end="4"/>
+                                            </p:txEl>
+                                          </p:spTgt>
+                                        </p:tgtEl>
+                                        <p:attrNameLst>
+                                          <p:attrName>style.visibility</p:attrName>
+                                        </p:attrNameLst>
+                                      </p:cBhvr>
+                                      <p:to>
+                                        <p:strVal val="visible"/>
+                                      </p:to>
+                                    </p:set>
+                                    <p:animEffect transition="in" filter="fade">
+                                      <p:cBhvr>
+                                        <p:cTn id="35" dur="1000"/>
+                                        <p:tgtEl>
+                                          <p:spTgt spid="3">
+                                            <p:txEl>
+                                              <p:pRg st="4" end="4"/>
+                                            </p:txEl>
+                                          </p:spTgt>
+                                        </p:tgtEl>
+                                      </p:cBhvr>
+                                    </p:animEffect>
+                                    <p:anim calcmode="lin" valueType="num">
+                                      <p:cBhvr>
+                                        <p:cTn id="36" dur="1000" fill="hold"/>
+                                        <p:tgtEl>
+                                          <p:spTgt spid="3">
+                                            <p:txEl>
+                                              <p:pRg st="4" end="4"/>
+                                            </p:txEl>
+                                          </p:spTgt>
+                                        </p:tgtEl>
+                                        <p:attrNameLst>
+                                          <p:attrName>ppt_x</p:attrName>
+                                        </p:attrNameLst>
+                                      </p:cBhvr>
+                                      <p:tavLst>
+                                        <p:tav tm="0">
+                                          <p:val>
+                                            <p:strVal val="#ppt_x"/>
+                                          </p:val>
+                                        </p:tav>
+                                        <p:tav tm="100000">
+                                          <p:val>
+                                            <p:strVal val="#ppt_x"/>
+                                          </p:val>
+                                        </p:tav>
+                                      </p:tavLst>
+                                    </p:anim>
+                                    <p:anim calcmode="lin" valueType="num">
+                                      <p:cBhvr>
+                                        <p:cTn id="37" dur="1000" fill="hold"/>
+                                        <p:tgtEl>
+                                          <p:spTgt spid="3">
+                                            <p:txEl>
+                                              <p:pRg st="4" end="4"/>
+                                            </p:txEl>
+                                          </p:spTgt>
+                                        </p:tgtEl>
+                                        <p:attrNameLst>
+                                          <p:attrName>ppt_y</p:attrName>
+                                        </p:attrNameLst>
+                                      </p:cBhvr>
+                                      <p:tavLst>
+                                        <p:tav tm="0">
+                                          <p:val>
+                                            <p:strVal val="#ppt_y+.1"/>
+                                          </p:val>
+                                        </p:tav>
+                                        <p:tav tm="100000">
+                                          <p:val>
+                                            <p:strVal val="#ppt_y"/>
+                                          </p:val>
+                                        </p:tav>
+                                      </p:tavLst>
+                                    </p:anim>
+                                  </p:childTnLst>
+                                </p:cTn>
+                              </p:par>
+                            </p:childTnLst>
+                          </p:cTn>
+                        </p:par>
+                      </p:childTnLst>
+                    </p:cTn>
+                  </p:par>
+                  <p:par>
+                    <p:cTn id="38" fill="hold">
+                      <p:stCondLst>
+                        <p:cond delay="indefinite"/>
+                      </p:stCondLst>
+                      <p:childTnLst>
+                        <p:par>
+                          <p:cTn id="39" fill="hold">
+                            <p:stCondLst>
+                              <p:cond delay="0"/>
+                            </p:stCondLst>
+                            <p:childTnLst>
+                              <p:par>
+                                <p:cTn id="40" presetID="42" presetClass="entr" presetSubtype="0" fill="hold" nodeType="clickEffect">
+                                  <p:stCondLst>
+                                    <p:cond delay="0"/>
+                                  </p:stCondLst>
+                                  <p:childTnLst>
+                                    <p:set>
+                                      <p:cBhvr>
+                                        <p:cTn id="41" dur="1" fill="hold">
+                                          <p:stCondLst>
+                                            <p:cond delay="0"/>
+                                          </p:stCondLst>
+                                        </p:cTn>
+                                        <p:tgtEl>
+                                          <p:spTgt spid="3">
+                                            <p:txEl>
+                                              <p:pRg st="5" end="5"/>
+                                            </p:txEl>
+                                          </p:spTgt>
+                                        </p:tgtEl>
+                                        <p:attrNameLst>
+                                          <p:attrName>style.visibility</p:attrName>
+                                        </p:attrNameLst>
+                                      </p:cBhvr>
+                                      <p:to>
+                                        <p:strVal val="visible"/>
+                                      </p:to>
+                                    </p:set>
+                                    <p:animEffect transition="in" filter="fade">
+                                      <p:cBhvr>
+                                        <p:cTn id="42" dur="1000"/>
+                                        <p:tgtEl>
+                                          <p:spTgt spid="3">
+                                            <p:txEl>
+                                              <p:pRg st="5" end="5"/>
+                                            </p:txEl>
+                                          </p:spTgt>
+                                        </p:tgtEl>
+                                      </p:cBhvr>
+                                    </p:animEffect>
+                                    <p:anim calcmode="lin" valueType="num">
+                                      <p:cBhvr>
+                                        <p:cTn id="43" dur="1000" fill="hold"/>
+                                        <p:tgtEl>
+                                          <p:spTgt spid="3">
+                                            <p:txEl>
+                                              <p:pRg st="5" end="5"/>
+                                            </p:txEl>
+                                          </p:spTgt>
+                                        </p:tgtEl>
+                                        <p:attrNameLst>
+                                          <p:attrName>ppt_x</p:attrName>
+                                        </p:attrNameLst>
+                                      </p:cBhvr>
+                                      <p:tavLst>
+                                        <p:tav tm="0">
+                                          <p:val>
+                                            <p:strVal val="#ppt_x"/>
+                                          </p:val>
+                                        </p:tav>
+                                        <p:tav tm="100000">
+                                          <p:val>
+                                            <p:strVal val="#ppt_x"/>
+                                          </p:val>
+                                        </p:tav>
+                                      </p:tavLst>
+                                    </p:anim>
+                                    <p:anim calcmode="lin" valueType="num">
+                                      <p:cBhvr>
+                                        <p:cTn id="44" dur="1000" fill="hold"/>
+                                        <p:tgtEl>
+                                          <p:spTgt spid="3">
+                                            <p:txEl>
+                                              <p:pRg st="5" end="5"/>
+                                            </p:txEl>
+                                          </p:spTgt>
+                                        </p:tgtEl>
+                                        <p:attrNameLst>
+                                          <p:attrName>ppt_y</p:attrName>
+                                        </p:attrNameLst>
+                                      </p:cBhvr>
+                                      <p:tavLst>
+                                        <p:tav tm="0">
+                                          <p:val>
+                                            <p:strVal val="#ppt_y+.1"/>
+                                          </p:val>
+                                        </p:tav>
+                                        <p:tav tm="100000">
+                                          <p:val>
+                                            <p:strVal val="#ppt_y"/>
+                                          </p:val>
+                                        </p:tav>
+                                      </p:tavLst>
+                                    </p:anim>
+                                  </p:childTnLst>
+                                </p:cTn>
+                              </p:par>
+                            </p:childTnLst>
+                          </p:cTn>
+                        </p:par>
+                      </p:childTnLst>
+                    </p:cTn>
+                  </p:par>
+                </p:childTnLst>
+              </p:cTn>
+              <p:prevCondLst>
+                <p:cond evt="onPrev" delay="0">
+                  <p:tgtEl>
+                    <p:sldTgt/>
+                  </p:tgtEl>
+                </p:cond>
+              </p:prevCondLst>
+              <p:nextCondLst>
+                <p:cond evt="onNext" delay="0">
+                  <p:tgtEl>
+                    <p:sldTgt/>
+                  </p:tgtEl>
+                </p:cond>
+              </p:nextCondLst>
+            </p:seq>
+          </p:childTnLst>
+        </p:cTn>
+      </p:par>
+    </p:tnLst>
+  </p:timing>
+</p:sld>
+</file>
+
+<file path=ppt/slides/slide30.xml><?xml version="1.0" encoding="utf-8"?>
 <p:sld xmlns:a="http://schemas.openxmlformats.org/drawingml/2006/main" xmlns:r="http://schemas.openxmlformats.org/officeDocument/2006/relationships" xmlns:p="http://schemas.openxmlformats.org/presentationml/2006/main">
   <p:cSld>
     <p:spTree>
@@ -30309,7 +31381,7 @@
           <a:p>
             <a:fld id="{0079CAC6-A72B-4EF8-B465-34FA47827E7F}" type="slidenum">
               <a:rPr lang="en-US" smtClean="0"/>
-              <a:t>29</a:t>
+              <a:t>30</a:t>
             </a:fld>
             <a:endParaRPr lang="en-US" dirty="0"/>
           </a:p>
@@ -30375,186 +31447,7 @@
 </p:sld>
 </file>
 
-<file path=ppt/slides/slide3.xml><?xml version="1.0" encoding="utf-8"?>
-<p:sld xmlns:a="http://schemas.openxmlformats.org/drawingml/2006/main" xmlns:r="http://schemas.openxmlformats.org/officeDocument/2006/relationships" xmlns:p="http://schemas.openxmlformats.org/presentationml/2006/main">
-  <p:cSld>
-    <p:spTree>
-      <p:nvGrpSpPr>
-        <p:cNvPr id="1" name=""/>
-        <p:cNvGrpSpPr/>
-        <p:nvPr/>
-      </p:nvGrpSpPr>
-      <p:grpSpPr>
-        <a:xfrm>
-          <a:off x="0" y="0"/>
-          <a:ext cx="0" cy="0"/>
-          <a:chOff x="0" y="0"/>
-          <a:chExt cx="0" cy="0"/>
-        </a:xfrm>
-      </p:grpSpPr>
-      <p:sp>
-        <p:nvSpPr>
-          <p:cNvPr id="2" name="Title 1">
-            <a:extLst>
-              <a:ext uri="{FF2B5EF4-FFF2-40B4-BE49-F238E27FC236}">
-                <a16:creationId xmlns:a16="http://schemas.microsoft.com/office/drawing/2014/main" id="{87B1A73B-6C72-C6E9-38EE-574B6DD11391}"/>
-              </a:ext>
-            </a:extLst>
-          </p:cNvPr>
-          <p:cNvSpPr>
-            <a:spLocks noGrp="1"/>
-          </p:cNvSpPr>
-          <p:nvPr>
-            <p:ph type="title"/>
-          </p:nvPr>
-        </p:nvSpPr>
-        <p:spPr/>
-        <p:txBody>
-          <a:bodyPr/>
-          <a:lstStyle/>
-          <a:p>
-            <a:r>
-              <a:rPr lang="en-US" dirty="0"/>
-              <a:t>Today</a:t>
-            </a:r>
-          </a:p>
-        </p:txBody>
-      </p:sp>
-      <p:sp>
-        <p:nvSpPr>
-          <p:cNvPr id="3" name="Content Placeholder 2">
-            <a:extLst>
-              <a:ext uri="{FF2B5EF4-FFF2-40B4-BE49-F238E27FC236}">
-                <a16:creationId xmlns:a16="http://schemas.microsoft.com/office/drawing/2014/main" id="{8F365F2D-194E-E711-907C-908961A12084}"/>
-              </a:ext>
-            </a:extLst>
-          </p:cNvPr>
-          <p:cNvSpPr>
-            <a:spLocks noGrp="1"/>
-          </p:cNvSpPr>
-          <p:nvPr>
-            <p:ph idx="1"/>
-          </p:nvPr>
-        </p:nvSpPr>
-        <p:spPr/>
-        <p:txBody>
-          <a:bodyPr>
-            <a:normAutofit/>
-          </a:bodyPr>
-          <a:lstStyle/>
-          <a:p>
-            <a:r>
-              <a:rPr lang="en-US" dirty="0"/>
-              <a:t>Short Presentations</a:t>
-            </a:r>
-          </a:p>
-          <a:p>
-            <a:r>
-              <a:rPr lang="en-US" dirty="0"/>
-              <a:t>Review the Last Lecture</a:t>
-            </a:r>
-          </a:p>
-          <a:p>
-            <a:r>
-              <a:rPr lang="en-US" dirty="0"/>
-              <a:t>Primitive Instructions</a:t>
-            </a:r>
-          </a:p>
-          <a:p>
-            <a:r>
-              <a:rPr lang="en-US" dirty="0"/>
-              <a:t>Python Programming Language</a:t>
-            </a:r>
-          </a:p>
-          <a:p>
-            <a:r>
-              <a:rPr lang="en-US" dirty="0">
-                <a:solidFill>
-                  <a:schemeClr val="accent6"/>
-                </a:solidFill>
-              </a:rPr>
-              <a:t>Application of Programming in the Digital Age!</a:t>
-            </a:r>
-            <a:endParaRPr lang="fa-IR" dirty="0">
-              <a:solidFill>
-                <a:schemeClr val="accent6"/>
-              </a:solidFill>
-            </a:endParaRPr>
-          </a:p>
-        </p:txBody>
-      </p:sp>
-      <p:sp>
-        <p:nvSpPr>
-          <p:cNvPr id="4" name="Slide Number Placeholder 3">
-            <a:extLst>
-              <a:ext uri="{FF2B5EF4-FFF2-40B4-BE49-F238E27FC236}">
-                <a16:creationId xmlns:a16="http://schemas.microsoft.com/office/drawing/2014/main" id="{2556300D-25DE-4DCB-83C2-F8447A300882}"/>
-              </a:ext>
-            </a:extLst>
-          </p:cNvPr>
-          <p:cNvSpPr>
-            <a:spLocks noGrp="1"/>
-          </p:cNvSpPr>
-          <p:nvPr>
-            <p:ph type="sldNum" sz="quarter" idx="12"/>
-          </p:nvPr>
-        </p:nvSpPr>
-        <p:spPr/>
-        <p:txBody>
-          <a:bodyPr/>
-          <a:lstStyle/>
-          <a:p>
-            <a:fld id="{0079CAC6-A72B-4EF8-B465-34FA47827E7F}" type="slidenum">
-              <a:rPr lang="en-US" smtClean="0"/>
-              <a:t>3</a:t>
-            </a:fld>
-            <a:endParaRPr lang="en-US" dirty="0"/>
-          </a:p>
-        </p:txBody>
-      </p:sp>
-      <p:sp>
-        <p:nvSpPr>
-          <p:cNvPr id="5" name="Footer Placeholder 4">
-            <a:extLst>
-              <a:ext uri="{FF2B5EF4-FFF2-40B4-BE49-F238E27FC236}">
-                <a16:creationId xmlns:a16="http://schemas.microsoft.com/office/drawing/2014/main" id="{C698F15F-8CBD-19A6-FD8E-9F54F23195D9}"/>
-              </a:ext>
-            </a:extLst>
-          </p:cNvPr>
-          <p:cNvSpPr>
-            <a:spLocks noGrp="1"/>
-          </p:cNvSpPr>
-          <p:nvPr>
-            <p:ph type="ftr" sz="quarter" idx="11"/>
-          </p:nvPr>
-        </p:nvSpPr>
-        <p:spPr/>
-        <p:txBody>
-          <a:bodyPr/>
-          <a:lstStyle/>
-          <a:p>
-            <a:r>
-              <a:rPr lang="en-US"/>
-              <a:t>Fundamental Programming with Python</a:t>
-            </a:r>
-            <a:endParaRPr lang="en-US" dirty="0"/>
-          </a:p>
-        </p:txBody>
-      </p:sp>
-    </p:spTree>
-    <p:extLst>
-      <p:ext uri="{BB962C8B-B14F-4D97-AF65-F5344CB8AC3E}">
-        <p14:creationId xmlns:p14="http://schemas.microsoft.com/office/powerpoint/2010/main" val="3611489948"/>
-      </p:ext>
-    </p:extLst>
-  </p:cSld>
-  <p:clrMapOvr>
-    <a:masterClrMapping/>
-  </p:clrMapOvr>
-</p:sld>
-</file>
-
-<file path=ppt/slides/slide30.xml><?xml version="1.0" encoding="utf-8"?>
+<file path=ppt/slides/slide31.xml><?xml version="1.0" encoding="utf-8"?>
 <p:sld xmlns:a="http://schemas.openxmlformats.org/drawingml/2006/main" xmlns:r="http://schemas.openxmlformats.org/officeDocument/2006/relationships" xmlns:p="http://schemas.openxmlformats.org/presentationml/2006/main">
   <p:cSld>
     <p:spTree>
@@ -30623,7 +31516,7 @@
           <a:p>
             <a:fld id="{0079CAC6-A72B-4EF8-B465-34FA47827E7F}" type="slidenum">
               <a:rPr lang="en-US" smtClean="0"/>
-              <a:t>30</a:t>
+              <a:t>31</a:t>
             </a:fld>
             <a:endParaRPr lang="en-US" dirty="0"/>
           </a:p>
@@ -30671,7 +31564,7 @@
 </p:sld>
 </file>
 
-<file path=ppt/slides/slide31.xml><?xml version="1.0" encoding="utf-8"?>
+<file path=ppt/slides/slide32.xml><?xml version="1.0" encoding="utf-8"?>
 <p:sld xmlns:a="http://schemas.openxmlformats.org/drawingml/2006/main" xmlns:r="http://schemas.openxmlformats.org/officeDocument/2006/relationships" xmlns:p="http://schemas.openxmlformats.org/presentationml/2006/main">
   <p:cSld>
     <p:spTree>
@@ -30801,7 +31694,7 @@
           <a:p>
             <a:fld id="{0079CAC6-A72B-4EF8-B465-34FA47827E7F}" type="slidenum">
               <a:rPr lang="en-US" smtClean="0"/>
-              <a:t>31</a:t>
+              <a:t>32</a:t>
             </a:fld>
             <a:endParaRPr lang="en-US" dirty="0"/>
           </a:p>
@@ -30820,7 +31713,7 @@
 </p:sld>
 </file>
 
-<file path=ppt/slides/slide32.xml><?xml version="1.0" encoding="utf-8"?>
+<file path=ppt/slides/slide33.xml><?xml version="1.0" encoding="utf-8"?>
 <p:sld xmlns:a="http://schemas.openxmlformats.org/drawingml/2006/main" xmlns:r="http://schemas.openxmlformats.org/officeDocument/2006/relationships" xmlns:p="http://schemas.openxmlformats.org/presentationml/2006/main">
   <p:cSld>
     <p:spTree>
@@ -30929,7 +31822,7 @@
           <a:p>
             <a:fld id="{0079CAC6-A72B-4EF8-B465-34FA47827E7F}" type="slidenum">
               <a:rPr lang="en-US" smtClean="0"/>
-              <a:t>32</a:t>
+              <a:t>33</a:t>
             </a:fld>
             <a:endParaRPr lang="en-US" dirty="0"/>
           </a:p>

--- a/Slide/02-Introduction to Programming with Python.pptx
+++ b/Slide/02-Introduction to Programming with Python.pptx
@@ -28856,13 +28856,8 @@
           <a:p>
             <a:r>
               <a:rPr lang="en-US" dirty="0"/>
-              <a:t>We can create </a:t>
+              <a:t>We can create new primitives…</a:t>
             </a:r>
-            <a:r>
-              <a:rPr lang="en-US"/>
-              <a:t>new primitives…</a:t>
-            </a:r>
-            <a:endParaRPr lang="en-US" dirty="0"/>
           </a:p>
           <a:p>
             <a:endParaRPr lang="en-US" dirty="0"/>
@@ -29286,6 +29281,381 @@
   <p:clrMapOvr>
     <a:masterClrMapping/>
   </p:clrMapOvr>
+  <p:timing>
+    <p:tnLst>
+      <p:par>
+        <p:cTn id="1" dur="indefinite" restart="never" nodeType="tmRoot">
+          <p:childTnLst>
+            <p:seq concurrent="1" nextAc="seek">
+              <p:cTn id="2" dur="indefinite" nodeType="mainSeq">
+                <p:childTnLst>
+                  <p:par>
+                    <p:cTn id="3" fill="hold">
+                      <p:stCondLst>
+                        <p:cond delay="indefinite"/>
+                      </p:stCondLst>
+                      <p:childTnLst>
+                        <p:par>
+                          <p:cTn id="4" fill="hold">
+                            <p:stCondLst>
+                              <p:cond delay="0"/>
+                            </p:stCondLst>
+                            <p:childTnLst>
+                              <p:par>
+                                <p:cTn id="5" presetID="42" presetClass="entr" presetSubtype="0" fill="hold" nodeType="clickEffect">
+                                  <p:stCondLst>
+                                    <p:cond delay="0"/>
+                                  </p:stCondLst>
+                                  <p:childTnLst>
+                                    <p:set>
+                                      <p:cBhvr>
+                                        <p:cTn id="6" dur="1" fill="hold">
+                                          <p:stCondLst>
+                                            <p:cond delay="0"/>
+                                          </p:stCondLst>
+                                        </p:cTn>
+                                        <p:tgtEl>
+                                          <p:spTgt spid="3">
+                                            <p:txEl>
+                                              <p:pRg st="0" end="0"/>
+                                            </p:txEl>
+                                          </p:spTgt>
+                                        </p:tgtEl>
+                                        <p:attrNameLst>
+                                          <p:attrName>style.visibility</p:attrName>
+                                        </p:attrNameLst>
+                                      </p:cBhvr>
+                                      <p:to>
+                                        <p:strVal val="visible"/>
+                                      </p:to>
+                                    </p:set>
+                                    <p:animEffect transition="in" filter="fade">
+                                      <p:cBhvr>
+                                        <p:cTn id="7" dur="1000"/>
+                                        <p:tgtEl>
+                                          <p:spTgt spid="3">
+                                            <p:txEl>
+                                              <p:pRg st="0" end="0"/>
+                                            </p:txEl>
+                                          </p:spTgt>
+                                        </p:tgtEl>
+                                      </p:cBhvr>
+                                    </p:animEffect>
+                                    <p:anim calcmode="lin" valueType="num">
+                                      <p:cBhvr>
+                                        <p:cTn id="8" dur="1000" fill="hold"/>
+                                        <p:tgtEl>
+                                          <p:spTgt spid="3">
+                                            <p:txEl>
+                                              <p:pRg st="0" end="0"/>
+                                            </p:txEl>
+                                          </p:spTgt>
+                                        </p:tgtEl>
+                                        <p:attrNameLst>
+                                          <p:attrName>ppt_x</p:attrName>
+                                        </p:attrNameLst>
+                                      </p:cBhvr>
+                                      <p:tavLst>
+                                        <p:tav tm="0">
+                                          <p:val>
+                                            <p:strVal val="#ppt_x"/>
+                                          </p:val>
+                                        </p:tav>
+                                        <p:tav tm="100000">
+                                          <p:val>
+                                            <p:strVal val="#ppt_x"/>
+                                          </p:val>
+                                        </p:tav>
+                                      </p:tavLst>
+                                    </p:anim>
+                                    <p:anim calcmode="lin" valueType="num">
+                                      <p:cBhvr>
+                                        <p:cTn id="9" dur="1000" fill="hold"/>
+                                        <p:tgtEl>
+                                          <p:spTgt spid="3">
+                                            <p:txEl>
+                                              <p:pRg st="0" end="0"/>
+                                            </p:txEl>
+                                          </p:spTgt>
+                                        </p:tgtEl>
+                                        <p:attrNameLst>
+                                          <p:attrName>ppt_y</p:attrName>
+                                        </p:attrNameLst>
+                                      </p:cBhvr>
+                                      <p:tavLst>
+                                        <p:tav tm="0">
+                                          <p:val>
+                                            <p:strVal val="#ppt_y+.1"/>
+                                          </p:val>
+                                        </p:tav>
+                                        <p:tav tm="100000">
+                                          <p:val>
+                                            <p:strVal val="#ppt_y"/>
+                                          </p:val>
+                                        </p:tav>
+                                      </p:tavLst>
+                                    </p:anim>
+                                  </p:childTnLst>
+                                </p:cTn>
+                              </p:par>
+                            </p:childTnLst>
+                          </p:cTn>
+                        </p:par>
+                      </p:childTnLst>
+                    </p:cTn>
+                  </p:par>
+                  <p:par>
+                    <p:cTn id="10" fill="hold">
+                      <p:stCondLst>
+                        <p:cond delay="indefinite"/>
+                      </p:stCondLst>
+                      <p:childTnLst>
+                        <p:par>
+                          <p:cTn id="11" fill="hold">
+                            <p:stCondLst>
+                              <p:cond delay="0"/>
+                            </p:stCondLst>
+                            <p:childTnLst>
+                              <p:par>
+                                <p:cTn id="12" presetID="42" presetClass="entr" presetSubtype="0" fill="hold" nodeType="clickEffect">
+                                  <p:stCondLst>
+                                    <p:cond delay="0"/>
+                                  </p:stCondLst>
+                                  <p:childTnLst>
+                                    <p:set>
+                                      <p:cBhvr>
+                                        <p:cTn id="13" dur="1" fill="hold">
+                                          <p:stCondLst>
+                                            <p:cond delay="0"/>
+                                          </p:stCondLst>
+                                        </p:cTn>
+                                        <p:tgtEl>
+                                          <p:spTgt spid="3">
+                                            <p:txEl>
+                                              <p:pRg st="1" end="1"/>
+                                            </p:txEl>
+                                          </p:spTgt>
+                                        </p:tgtEl>
+                                        <p:attrNameLst>
+                                          <p:attrName>style.visibility</p:attrName>
+                                        </p:attrNameLst>
+                                      </p:cBhvr>
+                                      <p:to>
+                                        <p:strVal val="visible"/>
+                                      </p:to>
+                                    </p:set>
+                                    <p:animEffect transition="in" filter="fade">
+                                      <p:cBhvr>
+                                        <p:cTn id="14" dur="1000"/>
+                                        <p:tgtEl>
+                                          <p:spTgt spid="3">
+                                            <p:txEl>
+                                              <p:pRg st="1" end="1"/>
+                                            </p:txEl>
+                                          </p:spTgt>
+                                        </p:tgtEl>
+                                      </p:cBhvr>
+                                    </p:animEffect>
+                                    <p:anim calcmode="lin" valueType="num">
+                                      <p:cBhvr>
+                                        <p:cTn id="15" dur="1000" fill="hold"/>
+                                        <p:tgtEl>
+                                          <p:spTgt spid="3">
+                                            <p:txEl>
+                                              <p:pRg st="1" end="1"/>
+                                            </p:txEl>
+                                          </p:spTgt>
+                                        </p:tgtEl>
+                                        <p:attrNameLst>
+                                          <p:attrName>ppt_x</p:attrName>
+                                        </p:attrNameLst>
+                                      </p:cBhvr>
+                                      <p:tavLst>
+                                        <p:tav tm="0">
+                                          <p:val>
+                                            <p:strVal val="#ppt_x"/>
+                                          </p:val>
+                                        </p:tav>
+                                        <p:tav tm="100000">
+                                          <p:val>
+                                            <p:strVal val="#ppt_x"/>
+                                          </p:val>
+                                        </p:tav>
+                                      </p:tavLst>
+                                    </p:anim>
+                                    <p:anim calcmode="lin" valueType="num">
+                                      <p:cBhvr>
+                                        <p:cTn id="16" dur="1000" fill="hold"/>
+                                        <p:tgtEl>
+                                          <p:spTgt spid="3">
+                                            <p:txEl>
+                                              <p:pRg st="1" end="1"/>
+                                            </p:txEl>
+                                          </p:spTgt>
+                                        </p:tgtEl>
+                                        <p:attrNameLst>
+                                          <p:attrName>ppt_y</p:attrName>
+                                        </p:attrNameLst>
+                                      </p:cBhvr>
+                                      <p:tavLst>
+                                        <p:tav tm="0">
+                                          <p:val>
+                                            <p:strVal val="#ppt_y+.1"/>
+                                          </p:val>
+                                        </p:tav>
+                                        <p:tav tm="100000">
+                                          <p:val>
+                                            <p:strVal val="#ppt_y"/>
+                                          </p:val>
+                                        </p:tav>
+                                      </p:tavLst>
+                                    </p:anim>
+                                  </p:childTnLst>
+                                </p:cTn>
+                              </p:par>
+                            </p:childTnLst>
+                          </p:cTn>
+                        </p:par>
+                      </p:childTnLst>
+                    </p:cTn>
+                  </p:par>
+                  <p:par>
+                    <p:cTn id="17" fill="hold">
+                      <p:stCondLst>
+                        <p:cond delay="indefinite"/>
+                      </p:stCondLst>
+                      <p:childTnLst>
+                        <p:par>
+                          <p:cTn id="18" fill="hold">
+                            <p:stCondLst>
+                              <p:cond delay="0"/>
+                            </p:stCondLst>
+                            <p:childTnLst>
+                              <p:par>
+                                <p:cTn id="19" presetID="42" presetClass="entr" presetSubtype="0" fill="hold" nodeType="clickEffect">
+                                  <p:stCondLst>
+                                    <p:cond delay="0"/>
+                                  </p:stCondLst>
+                                  <p:childTnLst>
+                                    <p:set>
+                                      <p:cBhvr>
+                                        <p:cTn id="20" dur="1" fill="hold">
+                                          <p:stCondLst>
+                                            <p:cond delay="0"/>
+                                          </p:stCondLst>
+                                        </p:cTn>
+                                        <p:tgtEl>
+                                          <p:spTgt spid="3">
+                                            <p:txEl>
+                                              <p:pRg st="2" end="2"/>
+                                            </p:txEl>
+                                          </p:spTgt>
+                                        </p:tgtEl>
+                                        <p:attrNameLst>
+                                          <p:attrName>style.visibility</p:attrName>
+                                        </p:attrNameLst>
+                                      </p:cBhvr>
+                                      <p:to>
+                                        <p:strVal val="visible"/>
+                                      </p:to>
+                                    </p:set>
+                                    <p:animEffect transition="in" filter="fade">
+                                      <p:cBhvr>
+                                        <p:cTn id="21" dur="1000"/>
+                                        <p:tgtEl>
+                                          <p:spTgt spid="3">
+                                            <p:txEl>
+                                              <p:pRg st="2" end="2"/>
+                                            </p:txEl>
+                                          </p:spTgt>
+                                        </p:tgtEl>
+                                      </p:cBhvr>
+                                    </p:animEffect>
+                                    <p:anim calcmode="lin" valueType="num">
+                                      <p:cBhvr>
+                                        <p:cTn id="22" dur="1000" fill="hold"/>
+                                        <p:tgtEl>
+                                          <p:spTgt spid="3">
+                                            <p:txEl>
+                                              <p:pRg st="2" end="2"/>
+                                            </p:txEl>
+                                          </p:spTgt>
+                                        </p:tgtEl>
+                                        <p:attrNameLst>
+                                          <p:attrName>ppt_x</p:attrName>
+                                        </p:attrNameLst>
+                                      </p:cBhvr>
+                                      <p:tavLst>
+                                        <p:tav tm="0">
+                                          <p:val>
+                                            <p:strVal val="#ppt_x"/>
+                                          </p:val>
+                                        </p:tav>
+                                        <p:tav tm="100000">
+                                          <p:val>
+                                            <p:strVal val="#ppt_x"/>
+                                          </p:val>
+                                        </p:tav>
+                                      </p:tavLst>
+                                    </p:anim>
+                                    <p:anim calcmode="lin" valueType="num">
+                                      <p:cBhvr>
+                                        <p:cTn id="23" dur="1000" fill="hold"/>
+                                        <p:tgtEl>
+                                          <p:spTgt spid="3">
+                                            <p:txEl>
+                                              <p:pRg st="2" end="2"/>
+                                            </p:txEl>
+                                          </p:spTgt>
+                                        </p:tgtEl>
+                                        <p:attrNameLst>
+                                          <p:attrName>ppt_y</p:attrName>
+                                        </p:attrNameLst>
+                                      </p:cBhvr>
+                                      <p:tavLst>
+                                        <p:tav tm="0">
+                                          <p:val>
+                                            <p:strVal val="#ppt_y+.1"/>
+                                          </p:val>
+                                        </p:tav>
+                                        <p:tav tm="100000">
+                                          <p:val>
+                                            <p:strVal val="#ppt_y"/>
+                                          </p:val>
+                                        </p:tav>
+                                      </p:tavLst>
+                                    </p:anim>
+                                  </p:childTnLst>
+                                </p:cTn>
+                              </p:par>
+                            </p:childTnLst>
+                          </p:cTn>
+                        </p:par>
+                      </p:childTnLst>
+                    </p:cTn>
+                  </p:par>
+                </p:childTnLst>
+              </p:cTn>
+              <p:prevCondLst>
+                <p:cond evt="onPrev" delay="0">
+                  <p:tgtEl>
+                    <p:sldTgt/>
+                  </p:tgtEl>
+                </p:cond>
+              </p:prevCondLst>
+              <p:nextCondLst>
+                <p:cond evt="onNext" delay="0">
+                  <p:tgtEl>
+                    <p:sldTgt/>
+                  </p:tgtEl>
+                </p:cond>
+              </p:nextCondLst>
+            </p:seq>
+          </p:childTnLst>
+        </p:cTn>
+      </p:par>
+    </p:tnLst>
+  </p:timing>
 </p:sld>
 </file>
 
@@ -29567,6 +29937,280 @@
   <p:clrMapOvr>
     <a:masterClrMapping/>
   </p:clrMapOvr>
+  <p:timing>
+    <p:tnLst>
+      <p:par>
+        <p:cTn id="1" dur="indefinite" restart="never" nodeType="tmRoot">
+          <p:childTnLst>
+            <p:seq concurrent="1" nextAc="seek">
+              <p:cTn id="2" dur="indefinite" nodeType="mainSeq">
+                <p:childTnLst>
+                  <p:par>
+                    <p:cTn id="3" fill="hold">
+                      <p:stCondLst>
+                        <p:cond delay="indefinite"/>
+                      </p:stCondLst>
+                      <p:childTnLst>
+                        <p:par>
+                          <p:cTn id="4" fill="hold">
+                            <p:stCondLst>
+                              <p:cond delay="0"/>
+                            </p:stCondLst>
+                            <p:childTnLst>
+                              <p:par>
+                                <p:cTn id="5" presetID="10" presetClass="entr" presetSubtype="0" fill="hold" nodeType="clickEffect">
+                                  <p:stCondLst>
+                                    <p:cond delay="0"/>
+                                  </p:stCondLst>
+                                  <p:childTnLst>
+                                    <p:set>
+                                      <p:cBhvr>
+                                        <p:cTn id="6" dur="1" fill="hold">
+                                          <p:stCondLst>
+                                            <p:cond delay="0"/>
+                                          </p:stCondLst>
+                                        </p:cTn>
+                                        <p:tgtEl>
+                                          <p:spTgt spid="3">
+                                            <p:txEl>
+                                              <p:pRg st="0" end="0"/>
+                                            </p:txEl>
+                                          </p:spTgt>
+                                        </p:tgtEl>
+                                        <p:attrNameLst>
+                                          <p:attrName>style.visibility</p:attrName>
+                                        </p:attrNameLst>
+                                      </p:cBhvr>
+                                      <p:to>
+                                        <p:strVal val="visible"/>
+                                      </p:to>
+                                    </p:set>
+                                    <p:animEffect transition="in" filter="fade">
+                                      <p:cBhvr>
+                                        <p:cTn id="7" dur="500"/>
+                                        <p:tgtEl>
+                                          <p:spTgt spid="3">
+                                            <p:txEl>
+                                              <p:pRg st="0" end="0"/>
+                                            </p:txEl>
+                                          </p:spTgt>
+                                        </p:tgtEl>
+                                      </p:cBhvr>
+                                    </p:animEffect>
+                                  </p:childTnLst>
+                                </p:cTn>
+                              </p:par>
+                            </p:childTnLst>
+                          </p:cTn>
+                        </p:par>
+                      </p:childTnLst>
+                    </p:cTn>
+                  </p:par>
+                  <p:par>
+                    <p:cTn id="8" fill="hold">
+                      <p:stCondLst>
+                        <p:cond delay="indefinite"/>
+                      </p:stCondLst>
+                      <p:childTnLst>
+                        <p:par>
+                          <p:cTn id="9" fill="hold">
+                            <p:stCondLst>
+                              <p:cond delay="0"/>
+                            </p:stCondLst>
+                            <p:childTnLst>
+                              <p:par>
+                                <p:cTn id="10" presetID="10" presetClass="entr" presetSubtype="0" fill="hold" nodeType="clickEffect">
+                                  <p:stCondLst>
+                                    <p:cond delay="0"/>
+                                  </p:stCondLst>
+                                  <p:childTnLst>
+                                    <p:set>
+                                      <p:cBhvr>
+                                        <p:cTn id="11" dur="1" fill="hold">
+                                          <p:stCondLst>
+                                            <p:cond delay="0"/>
+                                          </p:stCondLst>
+                                        </p:cTn>
+                                        <p:tgtEl>
+                                          <p:spTgt spid="3">
+                                            <p:txEl>
+                                              <p:pRg st="1" end="1"/>
+                                            </p:txEl>
+                                          </p:spTgt>
+                                        </p:tgtEl>
+                                        <p:attrNameLst>
+                                          <p:attrName>style.visibility</p:attrName>
+                                        </p:attrNameLst>
+                                      </p:cBhvr>
+                                      <p:to>
+                                        <p:strVal val="visible"/>
+                                      </p:to>
+                                    </p:set>
+                                    <p:animEffect transition="in" filter="fade">
+                                      <p:cBhvr>
+                                        <p:cTn id="12" dur="500"/>
+                                        <p:tgtEl>
+                                          <p:spTgt spid="3">
+                                            <p:txEl>
+                                              <p:pRg st="1" end="1"/>
+                                            </p:txEl>
+                                          </p:spTgt>
+                                        </p:tgtEl>
+                                      </p:cBhvr>
+                                    </p:animEffect>
+                                  </p:childTnLst>
+                                </p:cTn>
+                              </p:par>
+                            </p:childTnLst>
+                          </p:cTn>
+                        </p:par>
+                      </p:childTnLst>
+                    </p:cTn>
+                  </p:par>
+                  <p:par>
+                    <p:cTn id="13" fill="hold">
+                      <p:stCondLst>
+                        <p:cond delay="indefinite"/>
+                      </p:stCondLst>
+                      <p:childTnLst>
+                        <p:par>
+                          <p:cTn id="14" fill="hold">
+                            <p:stCondLst>
+                              <p:cond delay="0"/>
+                            </p:stCondLst>
+                            <p:childTnLst>
+                              <p:par>
+                                <p:cTn id="15" presetID="10" presetClass="entr" presetSubtype="0" fill="hold" nodeType="clickEffect">
+                                  <p:stCondLst>
+                                    <p:cond delay="0"/>
+                                  </p:stCondLst>
+                                  <p:childTnLst>
+                                    <p:set>
+                                      <p:cBhvr>
+                                        <p:cTn id="16" dur="1" fill="hold">
+                                          <p:stCondLst>
+                                            <p:cond delay="0"/>
+                                          </p:stCondLst>
+                                        </p:cTn>
+                                        <p:tgtEl>
+                                          <p:spTgt spid="3">
+                                            <p:txEl>
+                                              <p:pRg st="2" end="2"/>
+                                            </p:txEl>
+                                          </p:spTgt>
+                                        </p:tgtEl>
+                                        <p:attrNameLst>
+                                          <p:attrName>style.visibility</p:attrName>
+                                        </p:attrNameLst>
+                                      </p:cBhvr>
+                                      <p:to>
+                                        <p:strVal val="visible"/>
+                                      </p:to>
+                                    </p:set>
+                                    <p:animEffect transition="in" filter="fade">
+                                      <p:cBhvr>
+                                        <p:cTn id="17" dur="500"/>
+                                        <p:tgtEl>
+                                          <p:spTgt spid="3">
+                                            <p:txEl>
+                                              <p:pRg st="2" end="2"/>
+                                            </p:txEl>
+                                          </p:spTgt>
+                                        </p:tgtEl>
+                                      </p:cBhvr>
+                                    </p:animEffect>
+                                  </p:childTnLst>
+                                </p:cTn>
+                              </p:par>
+                            </p:childTnLst>
+                          </p:cTn>
+                        </p:par>
+                      </p:childTnLst>
+                    </p:cTn>
+                  </p:par>
+                  <p:par>
+                    <p:cTn id="18" fill="hold">
+                      <p:stCondLst>
+                        <p:cond delay="indefinite"/>
+                      </p:stCondLst>
+                      <p:childTnLst>
+                        <p:par>
+                          <p:cTn id="19" fill="hold">
+                            <p:stCondLst>
+                              <p:cond delay="0"/>
+                            </p:stCondLst>
+                            <p:childTnLst>
+                              <p:par>
+                                <p:cTn id="20" presetID="10" presetClass="entr" presetSubtype="0" fill="hold" nodeType="clickEffect">
+                                  <p:stCondLst>
+                                    <p:cond delay="0"/>
+                                  </p:stCondLst>
+                                  <p:childTnLst>
+                                    <p:set>
+                                      <p:cBhvr>
+                                        <p:cTn id="21" dur="1" fill="hold">
+                                          <p:stCondLst>
+                                            <p:cond delay="0"/>
+                                          </p:stCondLst>
+                                        </p:cTn>
+                                        <p:tgtEl>
+                                          <p:spTgt spid="3">
+                                            <p:txEl>
+                                              <p:pRg st="3" end="3"/>
+                                            </p:txEl>
+                                          </p:spTgt>
+                                        </p:tgtEl>
+                                        <p:attrNameLst>
+                                          <p:attrName>style.visibility</p:attrName>
+                                        </p:attrNameLst>
+                                      </p:cBhvr>
+                                      <p:to>
+                                        <p:strVal val="visible"/>
+                                      </p:to>
+                                    </p:set>
+                                    <p:animEffect transition="in" filter="fade">
+                                      <p:cBhvr>
+                                        <p:cTn id="22" dur="500"/>
+                                        <p:tgtEl>
+                                          <p:spTgt spid="3">
+                                            <p:txEl>
+                                              <p:pRg st="3" end="3"/>
+                                            </p:txEl>
+                                          </p:spTgt>
+                                        </p:tgtEl>
+                                      </p:cBhvr>
+                                    </p:animEffect>
+                                  </p:childTnLst>
+                                </p:cTn>
+                              </p:par>
+                            </p:childTnLst>
+                          </p:cTn>
+                        </p:par>
+                      </p:childTnLst>
+                    </p:cTn>
+                  </p:par>
+                </p:childTnLst>
+              </p:cTn>
+              <p:prevCondLst>
+                <p:cond evt="onPrev" delay="0">
+                  <p:tgtEl>
+                    <p:sldTgt/>
+                  </p:tgtEl>
+                </p:cond>
+              </p:prevCondLst>
+              <p:nextCondLst>
+                <p:cond evt="onNext" delay="0">
+                  <p:tgtEl>
+                    <p:sldTgt/>
+                  </p:tgtEl>
+                </p:cond>
+              </p:nextCondLst>
+            </p:seq>
+          </p:childTnLst>
+        </p:cTn>
+      </p:par>
+    </p:tnLst>
+  </p:timing>
 </p:sld>
 </file>
 
@@ -29884,6 +30528,592 @@
   <p:clrMapOvr>
     <a:masterClrMapping/>
   </p:clrMapOvr>
+  <p:timing>
+    <p:tnLst>
+      <p:par>
+        <p:cTn id="1" dur="indefinite" restart="never" nodeType="tmRoot">
+          <p:childTnLst>
+            <p:seq concurrent="1" nextAc="seek">
+              <p:cTn id="2" dur="indefinite" nodeType="mainSeq">
+                <p:childTnLst>
+                  <p:par>
+                    <p:cTn id="3" fill="hold">
+                      <p:stCondLst>
+                        <p:cond delay="indefinite"/>
+                      </p:stCondLst>
+                      <p:childTnLst>
+                        <p:par>
+                          <p:cTn id="4" fill="hold">
+                            <p:stCondLst>
+                              <p:cond delay="0"/>
+                            </p:stCondLst>
+                            <p:childTnLst>
+                              <p:par>
+                                <p:cTn id="5" presetID="22" presetClass="entr" presetSubtype="8" fill="hold" grpId="0" nodeType="clickEffect">
+                                  <p:stCondLst>
+                                    <p:cond delay="0"/>
+                                  </p:stCondLst>
+                                  <p:childTnLst>
+                                    <p:set>
+                                      <p:cBhvr>
+                                        <p:cTn id="6" dur="1" fill="hold">
+                                          <p:stCondLst>
+                                            <p:cond delay="0"/>
+                                          </p:stCondLst>
+                                        </p:cTn>
+                                        <p:tgtEl>
+                                          <p:spTgt spid="7">
+                                            <p:graphicEl>
+                                              <a:dgm id="{DFD100E9-BE96-4918-93A7-CF1B2D14232C}"/>
+                                            </p:graphicEl>
+                                          </p:spTgt>
+                                        </p:tgtEl>
+                                        <p:attrNameLst>
+                                          <p:attrName>style.visibility</p:attrName>
+                                        </p:attrNameLst>
+                                      </p:cBhvr>
+                                      <p:to>
+                                        <p:strVal val="visible"/>
+                                      </p:to>
+                                    </p:set>
+                                    <p:animEffect transition="in" filter="wipe(left)">
+                                      <p:cBhvr>
+                                        <p:cTn id="7" dur="500"/>
+                                        <p:tgtEl>
+                                          <p:spTgt spid="7">
+                                            <p:graphicEl>
+                                              <a:dgm id="{DFD100E9-BE96-4918-93A7-CF1B2D14232C}"/>
+                                            </p:graphicEl>
+                                          </p:spTgt>
+                                        </p:tgtEl>
+                                      </p:cBhvr>
+                                    </p:animEffect>
+                                  </p:childTnLst>
+                                </p:cTn>
+                              </p:par>
+                            </p:childTnLst>
+                          </p:cTn>
+                        </p:par>
+                      </p:childTnLst>
+                    </p:cTn>
+                  </p:par>
+                  <p:par>
+                    <p:cTn id="8" fill="hold">
+                      <p:stCondLst>
+                        <p:cond delay="indefinite"/>
+                      </p:stCondLst>
+                      <p:childTnLst>
+                        <p:par>
+                          <p:cTn id="9" fill="hold">
+                            <p:stCondLst>
+                              <p:cond delay="0"/>
+                            </p:stCondLst>
+                            <p:childTnLst>
+                              <p:par>
+                                <p:cTn id="10" presetID="22" presetClass="entr" presetSubtype="8" fill="hold" grpId="0" nodeType="clickEffect">
+                                  <p:stCondLst>
+                                    <p:cond delay="0"/>
+                                  </p:stCondLst>
+                                  <p:childTnLst>
+                                    <p:set>
+                                      <p:cBhvr>
+                                        <p:cTn id="11" dur="1" fill="hold">
+                                          <p:stCondLst>
+                                            <p:cond delay="0"/>
+                                          </p:stCondLst>
+                                        </p:cTn>
+                                        <p:tgtEl>
+                                          <p:spTgt spid="7">
+                                            <p:graphicEl>
+                                              <a:dgm id="{8D1CD44A-2D86-4EEB-90DF-0845020D9669}"/>
+                                            </p:graphicEl>
+                                          </p:spTgt>
+                                        </p:tgtEl>
+                                        <p:attrNameLst>
+                                          <p:attrName>style.visibility</p:attrName>
+                                        </p:attrNameLst>
+                                      </p:cBhvr>
+                                      <p:to>
+                                        <p:strVal val="visible"/>
+                                      </p:to>
+                                    </p:set>
+                                    <p:animEffect transition="in" filter="wipe(left)">
+                                      <p:cBhvr>
+                                        <p:cTn id="12" dur="500"/>
+                                        <p:tgtEl>
+                                          <p:spTgt spid="7">
+                                            <p:graphicEl>
+                                              <a:dgm id="{8D1CD44A-2D86-4EEB-90DF-0845020D9669}"/>
+                                            </p:graphicEl>
+                                          </p:spTgt>
+                                        </p:tgtEl>
+                                      </p:cBhvr>
+                                    </p:animEffect>
+                                  </p:childTnLst>
+                                </p:cTn>
+                              </p:par>
+                            </p:childTnLst>
+                          </p:cTn>
+                        </p:par>
+                      </p:childTnLst>
+                    </p:cTn>
+                  </p:par>
+                  <p:par>
+                    <p:cTn id="13" fill="hold">
+                      <p:stCondLst>
+                        <p:cond delay="indefinite"/>
+                      </p:stCondLst>
+                      <p:childTnLst>
+                        <p:par>
+                          <p:cTn id="14" fill="hold">
+                            <p:stCondLst>
+                              <p:cond delay="0"/>
+                            </p:stCondLst>
+                            <p:childTnLst>
+                              <p:par>
+                                <p:cTn id="15" presetID="22" presetClass="entr" presetSubtype="8" fill="hold" grpId="0" nodeType="clickEffect">
+                                  <p:stCondLst>
+                                    <p:cond delay="0"/>
+                                  </p:stCondLst>
+                                  <p:childTnLst>
+                                    <p:set>
+                                      <p:cBhvr>
+                                        <p:cTn id="16" dur="1" fill="hold">
+                                          <p:stCondLst>
+                                            <p:cond delay="0"/>
+                                          </p:stCondLst>
+                                        </p:cTn>
+                                        <p:tgtEl>
+                                          <p:spTgt spid="7">
+                                            <p:graphicEl>
+                                              <a:dgm id="{621C2F7D-F2E9-45D5-A4C2-AF2D422BE139}"/>
+                                            </p:graphicEl>
+                                          </p:spTgt>
+                                        </p:tgtEl>
+                                        <p:attrNameLst>
+                                          <p:attrName>style.visibility</p:attrName>
+                                        </p:attrNameLst>
+                                      </p:cBhvr>
+                                      <p:to>
+                                        <p:strVal val="visible"/>
+                                      </p:to>
+                                    </p:set>
+                                    <p:animEffect transition="in" filter="wipe(left)">
+                                      <p:cBhvr>
+                                        <p:cTn id="17" dur="500"/>
+                                        <p:tgtEl>
+                                          <p:spTgt spid="7">
+                                            <p:graphicEl>
+                                              <a:dgm id="{621C2F7D-F2E9-45D5-A4C2-AF2D422BE139}"/>
+                                            </p:graphicEl>
+                                          </p:spTgt>
+                                        </p:tgtEl>
+                                      </p:cBhvr>
+                                    </p:animEffect>
+                                  </p:childTnLst>
+                                </p:cTn>
+                              </p:par>
+                            </p:childTnLst>
+                          </p:cTn>
+                        </p:par>
+                      </p:childTnLst>
+                    </p:cTn>
+                  </p:par>
+                  <p:par>
+                    <p:cTn id="18" fill="hold">
+                      <p:stCondLst>
+                        <p:cond delay="indefinite"/>
+                      </p:stCondLst>
+                      <p:childTnLst>
+                        <p:par>
+                          <p:cTn id="19" fill="hold">
+                            <p:stCondLst>
+                              <p:cond delay="0"/>
+                            </p:stCondLst>
+                            <p:childTnLst>
+                              <p:par>
+                                <p:cTn id="20" presetID="22" presetClass="entr" presetSubtype="8" fill="hold" grpId="0" nodeType="clickEffect">
+                                  <p:stCondLst>
+                                    <p:cond delay="0"/>
+                                  </p:stCondLst>
+                                  <p:childTnLst>
+                                    <p:set>
+                                      <p:cBhvr>
+                                        <p:cTn id="21" dur="1" fill="hold">
+                                          <p:stCondLst>
+                                            <p:cond delay="0"/>
+                                          </p:stCondLst>
+                                        </p:cTn>
+                                        <p:tgtEl>
+                                          <p:spTgt spid="7">
+                                            <p:graphicEl>
+                                              <a:dgm id="{8A67E6B3-437C-499A-B85E-624DCCF5B8DC}"/>
+                                            </p:graphicEl>
+                                          </p:spTgt>
+                                        </p:tgtEl>
+                                        <p:attrNameLst>
+                                          <p:attrName>style.visibility</p:attrName>
+                                        </p:attrNameLst>
+                                      </p:cBhvr>
+                                      <p:to>
+                                        <p:strVal val="visible"/>
+                                      </p:to>
+                                    </p:set>
+                                    <p:animEffect transition="in" filter="wipe(left)">
+                                      <p:cBhvr>
+                                        <p:cTn id="22" dur="500"/>
+                                        <p:tgtEl>
+                                          <p:spTgt spid="7">
+                                            <p:graphicEl>
+                                              <a:dgm id="{8A67E6B3-437C-499A-B85E-624DCCF5B8DC}"/>
+                                            </p:graphicEl>
+                                          </p:spTgt>
+                                        </p:tgtEl>
+                                      </p:cBhvr>
+                                    </p:animEffect>
+                                  </p:childTnLst>
+                                </p:cTn>
+                              </p:par>
+                            </p:childTnLst>
+                          </p:cTn>
+                        </p:par>
+                      </p:childTnLst>
+                    </p:cTn>
+                  </p:par>
+                  <p:par>
+                    <p:cTn id="23" fill="hold">
+                      <p:stCondLst>
+                        <p:cond delay="indefinite"/>
+                      </p:stCondLst>
+                      <p:childTnLst>
+                        <p:par>
+                          <p:cTn id="24" fill="hold">
+                            <p:stCondLst>
+                              <p:cond delay="0"/>
+                            </p:stCondLst>
+                            <p:childTnLst>
+                              <p:par>
+                                <p:cTn id="25" presetID="22" presetClass="entr" presetSubtype="8" fill="hold" grpId="0" nodeType="clickEffect">
+                                  <p:stCondLst>
+                                    <p:cond delay="0"/>
+                                  </p:stCondLst>
+                                  <p:childTnLst>
+                                    <p:set>
+                                      <p:cBhvr>
+                                        <p:cTn id="26" dur="1" fill="hold">
+                                          <p:stCondLst>
+                                            <p:cond delay="0"/>
+                                          </p:stCondLst>
+                                        </p:cTn>
+                                        <p:tgtEl>
+                                          <p:spTgt spid="7">
+                                            <p:graphicEl>
+                                              <a:dgm id="{CF00ACA9-67DB-46BE-9DB6-729CF271CED0}"/>
+                                            </p:graphicEl>
+                                          </p:spTgt>
+                                        </p:tgtEl>
+                                        <p:attrNameLst>
+                                          <p:attrName>style.visibility</p:attrName>
+                                        </p:attrNameLst>
+                                      </p:cBhvr>
+                                      <p:to>
+                                        <p:strVal val="visible"/>
+                                      </p:to>
+                                    </p:set>
+                                    <p:animEffect transition="in" filter="wipe(left)">
+                                      <p:cBhvr>
+                                        <p:cTn id="27" dur="500"/>
+                                        <p:tgtEl>
+                                          <p:spTgt spid="7">
+                                            <p:graphicEl>
+                                              <a:dgm id="{CF00ACA9-67DB-46BE-9DB6-729CF271CED0}"/>
+                                            </p:graphicEl>
+                                          </p:spTgt>
+                                        </p:tgtEl>
+                                      </p:cBhvr>
+                                    </p:animEffect>
+                                  </p:childTnLst>
+                                </p:cTn>
+                              </p:par>
+                            </p:childTnLst>
+                          </p:cTn>
+                        </p:par>
+                      </p:childTnLst>
+                    </p:cTn>
+                  </p:par>
+                  <p:par>
+                    <p:cTn id="28" fill="hold">
+                      <p:stCondLst>
+                        <p:cond delay="indefinite"/>
+                      </p:stCondLst>
+                      <p:childTnLst>
+                        <p:par>
+                          <p:cTn id="29" fill="hold">
+                            <p:stCondLst>
+                              <p:cond delay="0"/>
+                            </p:stCondLst>
+                            <p:childTnLst>
+                              <p:par>
+                                <p:cTn id="30" presetID="22" presetClass="entr" presetSubtype="8" fill="hold" grpId="0" nodeType="clickEffect">
+                                  <p:stCondLst>
+                                    <p:cond delay="0"/>
+                                  </p:stCondLst>
+                                  <p:childTnLst>
+                                    <p:set>
+                                      <p:cBhvr>
+                                        <p:cTn id="31" dur="1" fill="hold">
+                                          <p:stCondLst>
+                                            <p:cond delay="0"/>
+                                          </p:stCondLst>
+                                        </p:cTn>
+                                        <p:tgtEl>
+                                          <p:spTgt spid="7">
+                                            <p:graphicEl>
+                                              <a:dgm id="{DEA57AFC-24EA-4A8F-AA71-3F2D49F07B05}"/>
+                                            </p:graphicEl>
+                                          </p:spTgt>
+                                        </p:tgtEl>
+                                        <p:attrNameLst>
+                                          <p:attrName>style.visibility</p:attrName>
+                                        </p:attrNameLst>
+                                      </p:cBhvr>
+                                      <p:to>
+                                        <p:strVal val="visible"/>
+                                      </p:to>
+                                    </p:set>
+                                    <p:animEffect transition="in" filter="wipe(left)">
+                                      <p:cBhvr>
+                                        <p:cTn id="32" dur="500"/>
+                                        <p:tgtEl>
+                                          <p:spTgt spid="7">
+                                            <p:graphicEl>
+                                              <a:dgm id="{DEA57AFC-24EA-4A8F-AA71-3F2D49F07B05}"/>
+                                            </p:graphicEl>
+                                          </p:spTgt>
+                                        </p:tgtEl>
+                                      </p:cBhvr>
+                                    </p:animEffect>
+                                  </p:childTnLst>
+                                </p:cTn>
+                              </p:par>
+                            </p:childTnLst>
+                          </p:cTn>
+                        </p:par>
+                      </p:childTnLst>
+                    </p:cTn>
+                  </p:par>
+                  <p:par>
+                    <p:cTn id="33" fill="hold">
+                      <p:stCondLst>
+                        <p:cond delay="indefinite"/>
+                      </p:stCondLst>
+                      <p:childTnLst>
+                        <p:par>
+                          <p:cTn id="34" fill="hold">
+                            <p:stCondLst>
+                              <p:cond delay="0"/>
+                            </p:stCondLst>
+                            <p:childTnLst>
+                              <p:par>
+                                <p:cTn id="35" presetID="22" presetClass="entr" presetSubtype="8" fill="hold" grpId="0" nodeType="clickEffect">
+                                  <p:stCondLst>
+                                    <p:cond delay="0"/>
+                                  </p:stCondLst>
+                                  <p:childTnLst>
+                                    <p:set>
+                                      <p:cBhvr>
+                                        <p:cTn id="36" dur="1" fill="hold">
+                                          <p:stCondLst>
+                                            <p:cond delay="0"/>
+                                          </p:stCondLst>
+                                        </p:cTn>
+                                        <p:tgtEl>
+                                          <p:spTgt spid="7">
+                                            <p:graphicEl>
+                                              <a:dgm id="{9F0BAC57-58C4-47F5-BDBF-E37E3C82EB61}"/>
+                                            </p:graphicEl>
+                                          </p:spTgt>
+                                        </p:tgtEl>
+                                        <p:attrNameLst>
+                                          <p:attrName>style.visibility</p:attrName>
+                                        </p:attrNameLst>
+                                      </p:cBhvr>
+                                      <p:to>
+                                        <p:strVal val="visible"/>
+                                      </p:to>
+                                    </p:set>
+                                    <p:animEffect transition="in" filter="wipe(left)">
+                                      <p:cBhvr>
+                                        <p:cTn id="37" dur="500"/>
+                                        <p:tgtEl>
+                                          <p:spTgt spid="7">
+                                            <p:graphicEl>
+                                              <a:dgm id="{9F0BAC57-58C4-47F5-BDBF-E37E3C82EB61}"/>
+                                            </p:graphicEl>
+                                          </p:spTgt>
+                                        </p:tgtEl>
+                                      </p:cBhvr>
+                                    </p:animEffect>
+                                  </p:childTnLst>
+                                </p:cTn>
+                              </p:par>
+                            </p:childTnLst>
+                          </p:cTn>
+                        </p:par>
+                      </p:childTnLst>
+                    </p:cTn>
+                  </p:par>
+                  <p:par>
+                    <p:cTn id="38" fill="hold">
+                      <p:stCondLst>
+                        <p:cond delay="indefinite"/>
+                      </p:stCondLst>
+                      <p:childTnLst>
+                        <p:par>
+                          <p:cTn id="39" fill="hold">
+                            <p:stCondLst>
+                              <p:cond delay="0"/>
+                            </p:stCondLst>
+                            <p:childTnLst>
+                              <p:par>
+                                <p:cTn id="40" presetID="22" presetClass="entr" presetSubtype="8" fill="hold" grpId="0" nodeType="clickEffect">
+                                  <p:stCondLst>
+                                    <p:cond delay="0"/>
+                                  </p:stCondLst>
+                                  <p:childTnLst>
+                                    <p:set>
+                                      <p:cBhvr>
+                                        <p:cTn id="41" dur="1" fill="hold">
+                                          <p:stCondLst>
+                                            <p:cond delay="0"/>
+                                          </p:stCondLst>
+                                        </p:cTn>
+                                        <p:tgtEl>
+                                          <p:spTgt spid="7">
+                                            <p:graphicEl>
+                                              <a:dgm id="{CBD8A924-8A75-4272-B3FC-CDF5F8A325DE}"/>
+                                            </p:graphicEl>
+                                          </p:spTgt>
+                                        </p:tgtEl>
+                                        <p:attrNameLst>
+                                          <p:attrName>style.visibility</p:attrName>
+                                        </p:attrNameLst>
+                                      </p:cBhvr>
+                                      <p:to>
+                                        <p:strVal val="visible"/>
+                                      </p:to>
+                                    </p:set>
+                                    <p:animEffect transition="in" filter="wipe(left)">
+                                      <p:cBhvr>
+                                        <p:cTn id="42" dur="500"/>
+                                        <p:tgtEl>
+                                          <p:spTgt spid="7">
+                                            <p:graphicEl>
+                                              <a:dgm id="{CBD8A924-8A75-4272-B3FC-CDF5F8A325DE}"/>
+                                            </p:graphicEl>
+                                          </p:spTgt>
+                                        </p:tgtEl>
+                                      </p:cBhvr>
+                                    </p:animEffect>
+                                  </p:childTnLst>
+                                </p:cTn>
+                              </p:par>
+                            </p:childTnLst>
+                          </p:cTn>
+                        </p:par>
+                      </p:childTnLst>
+                    </p:cTn>
+                  </p:par>
+                  <p:par>
+                    <p:cTn id="43" fill="hold">
+                      <p:stCondLst>
+                        <p:cond delay="indefinite"/>
+                      </p:stCondLst>
+                      <p:childTnLst>
+                        <p:par>
+                          <p:cTn id="44" fill="hold">
+                            <p:stCondLst>
+                              <p:cond delay="0"/>
+                            </p:stCondLst>
+                            <p:childTnLst>
+                              <p:par>
+                                <p:cTn id="45" presetID="22" presetClass="entr" presetSubtype="8" fill="hold" grpId="0" nodeType="clickEffect">
+                                  <p:stCondLst>
+                                    <p:cond delay="0"/>
+                                  </p:stCondLst>
+                                  <p:childTnLst>
+                                    <p:set>
+                                      <p:cBhvr>
+                                        <p:cTn id="46" dur="1" fill="hold">
+                                          <p:stCondLst>
+                                            <p:cond delay="0"/>
+                                          </p:stCondLst>
+                                        </p:cTn>
+                                        <p:tgtEl>
+                                          <p:spTgt spid="7">
+                                            <p:graphicEl>
+                                              <a:dgm id="{DF02DE86-BAC9-4E38-9C99-F1C971704A53}"/>
+                                            </p:graphicEl>
+                                          </p:spTgt>
+                                        </p:tgtEl>
+                                        <p:attrNameLst>
+                                          <p:attrName>style.visibility</p:attrName>
+                                        </p:attrNameLst>
+                                      </p:cBhvr>
+                                      <p:to>
+                                        <p:strVal val="visible"/>
+                                      </p:to>
+                                    </p:set>
+                                    <p:animEffect transition="in" filter="wipe(left)">
+                                      <p:cBhvr>
+                                        <p:cTn id="47" dur="500"/>
+                                        <p:tgtEl>
+                                          <p:spTgt spid="7">
+                                            <p:graphicEl>
+                                              <a:dgm id="{DF02DE86-BAC9-4E38-9C99-F1C971704A53}"/>
+                                            </p:graphicEl>
+                                          </p:spTgt>
+                                        </p:tgtEl>
+                                      </p:cBhvr>
+                                    </p:animEffect>
+                                  </p:childTnLst>
+                                </p:cTn>
+                              </p:par>
+                            </p:childTnLst>
+                          </p:cTn>
+                        </p:par>
+                      </p:childTnLst>
+                    </p:cTn>
+                  </p:par>
+                </p:childTnLst>
+              </p:cTn>
+              <p:prevCondLst>
+                <p:cond evt="onPrev" delay="0">
+                  <p:tgtEl>
+                    <p:sldTgt/>
+                  </p:tgtEl>
+                </p:cond>
+              </p:prevCondLst>
+              <p:nextCondLst>
+                <p:cond evt="onNext" delay="0">
+                  <p:tgtEl>
+                    <p:sldTgt/>
+                  </p:tgtEl>
+                </p:cond>
+              </p:nextCondLst>
+            </p:seq>
+          </p:childTnLst>
+        </p:cTn>
+      </p:par>
+    </p:tnLst>
+    <p:bldLst>
+      <p:bldGraphic spid="7" grpId="0">
+        <p:bldSub>
+          <a:bldDgm bld="one"/>
+        </p:bldSub>
+      </p:bldGraphic>
+    </p:bldLst>
+  </p:timing>
 </p:sld>
 </file>
 
